--- a/защита/CryptoDog.pptx
+++ b/защита/CryptoDog.pptx
@@ -276,7 +276,7 @@
           <a:p>
             <a:fld id="{4F3296BC-0369-43A9-BF9C-2419B90DEAB9}" type="datetimeFigureOut">
               <a:rPr lang="ru-RU" smtClean="0"/>
-              <a:t>04.11.2023</a:t>
+              <a:t>05.11.2023</a:t>
             </a:fld>
             <a:endParaRPr lang="ru-RU"/>
           </a:p>
@@ -476,7 +476,7 @@
           <a:p>
             <a:fld id="{4F3296BC-0369-43A9-BF9C-2419B90DEAB9}" type="datetimeFigureOut">
               <a:rPr lang="ru-RU" smtClean="0"/>
-              <a:t>04.11.2023</a:t>
+              <a:t>05.11.2023</a:t>
             </a:fld>
             <a:endParaRPr lang="ru-RU"/>
           </a:p>
@@ -686,7 +686,7 @@
           <a:p>
             <a:fld id="{4F3296BC-0369-43A9-BF9C-2419B90DEAB9}" type="datetimeFigureOut">
               <a:rPr lang="ru-RU" smtClean="0"/>
-              <a:t>04.11.2023</a:t>
+              <a:t>05.11.2023</a:t>
             </a:fld>
             <a:endParaRPr lang="ru-RU"/>
           </a:p>
@@ -886,7 +886,7 @@
           <a:p>
             <a:fld id="{4F3296BC-0369-43A9-BF9C-2419B90DEAB9}" type="datetimeFigureOut">
               <a:rPr lang="ru-RU" smtClean="0"/>
-              <a:t>04.11.2023</a:t>
+              <a:t>05.11.2023</a:t>
             </a:fld>
             <a:endParaRPr lang="ru-RU"/>
           </a:p>
@@ -1162,7 +1162,7 @@
           <a:p>
             <a:fld id="{4F3296BC-0369-43A9-BF9C-2419B90DEAB9}" type="datetimeFigureOut">
               <a:rPr lang="ru-RU" smtClean="0"/>
-              <a:t>04.11.2023</a:t>
+              <a:t>05.11.2023</a:t>
             </a:fld>
             <a:endParaRPr lang="ru-RU"/>
           </a:p>
@@ -1430,7 +1430,7 @@
           <a:p>
             <a:fld id="{4F3296BC-0369-43A9-BF9C-2419B90DEAB9}" type="datetimeFigureOut">
               <a:rPr lang="ru-RU" smtClean="0"/>
-              <a:t>04.11.2023</a:t>
+              <a:t>05.11.2023</a:t>
             </a:fld>
             <a:endParaRPr lang="ru-RU"/>
           </a:p>
@@ -1845,7 +1845,7 @@
           <a:p>
             <a:fld id="{4F3296BC-0369-43A9-BF9C-2419B90DEAB9}" type="datetimeFigureOut">
               <a:rPr lang="ru-RU" smtClean="0"/>
-              <a:t>04.11.2023</a:t>
+              <a:t>05.11.2023</a:t>
             </a:fld>
             <a:endParaRPr lang="ru-RU"/>
           </a:p>
@@ -1987,7 +1987,7 @@
           <a:p>
             <a:fld id="{4F3296BC-0369-43A9-BF9C-2419B90DEAB9}" type="datetimeFigureOut">
               <a:rPr lang="ru-RU" smtClean="0"/>
-              <a:t>04.11.2023</a:t>
+              <a:t>05.11.2023</a:t>
             </a:fld>
             <a:endParaRPr lang="ru-RU"/>
           </a:p>
@@ -2100,7 +2100,7 @@
           <a:p>
             <a:fld id="{4F3296BC-0369-43A9-BF9C-2419B90DEAB9}" type="datetimeFigureOut">
               <a:rPr lang="ru-RU" smtClean="0"/>
-              <a:t>04.11.2023</a:t>
+              <a:t>05.11.2023</a:t>
             </a:fld>
             <a:endParaRPr lang="ru-RU"/>
           </a:p>
@@ -2413,7 +2413,7 @@
           <a:p>
             <a:fld id="{4F3296BC-0369-43A9-BF9C-2419B90DEAB9}" type="datetimeFigureOut">
               <a:rPr lang="ru-RU" smtClean="0"/>
-              <a:t>04.11.2023</a:t>
+              <a:t>05.11.2023</a:t>
             </a:fld>
             <a:endParaRPr lang="ru-RU"/>
           </a:p>
@@ -2702,7 +2702,7 @@
           <a:p>
             <a:fld id="{4F3296BC-0369-43A9-BF9C-2419B90DEAB9}" type="datetimeFigureOut">
               <a:rPr lang="ru-RU" smtClean="0"/>
-              <a:t>04.11.2023</a:t>
+              <a:t>05.11.2023</a:t>
             </a:fld>
             <a:endParaRPr lang="ru-RU"/>
           </a:p>
@@ -2945,7 +2945,7 @@
           <a:p>
             <a:fld id="{4F3296BC-0369-43A9-BF9C-2419B90DEAB9}" type="datetimeFigureOut">
               <a:rPr lang="ru-RU" smtClean="0"/>
-              <a:t>04.11.2023</a:t>
+              <a:t>05.11.2023</a:t>
             </a:fld>
             <a:endParaRPr lang="ru-RU"/>
           </a:p>
@@ -4940,23 +4940,20 @@
                 <a:ea typeface="Cascadia Code" panose="020B0609020000020004" pitchFamily="49" charset="0"/>
                 <a:cs typeface="Cascadia Code" panose="020B0609020000020004" pitchFamily="49" charset="0"/>
               </a:rPr>
-              <a:t> на основе утилиты Gpg4win и криптографический инструмент шифрования данных. </a:t>
-            </a:r>
-            <a:r>
-              <a:rPr lang="ru-RU" dirty="0" err="1">
-                <a:latin typeface="Cascadia Code" panose="020B0609020000020004" pitchFamily="49" charset="0"/>
-                <a:ea typeface="Cascadia Code" panose="020B0609020000020004" pitchFamily="49" charset="0"/>
-                <a:cs typeface="Cascadia Code" panose="020B0609020000020004" pitchFamily="49" charset="0"/>
-              </a:rPr>
-              <a:t>CryptoDog</a:t>
-            </a:r>
+              <a:t> на основе утилиты Gpg4win и криптографический инструмент шифрования данных</a:t>
+            </a:r>
+          </a:p>
+          <a:p>
+            <a:pPr marL="0" indent="0">
+              <a:buNone/>
+            </a:pPr>
             <a:r>
               <a:rPr lang="ru-RU" dirty="0">
                 <a:latin typeface="Cascadia Code" panose="020B0609020000020004" pitchFamily="49" charset="0"/>
                 <a:ea typeface="Cascadia Code" panose="020B0609020000020004" pitchFamily="49" charset="0"/>
                 <a:cs typeface="Cascadia Code" panose="020B0609020000020004" pitchFamily="49" charset="0"/>
               </a:rPr>
-              <a:t> предоставляет набор функционала в области криптографии и шифрования необходимый среднестатистическому пользователю.</a:t>
+              <a:t>Предоставляет набор функционала в области криптографии и шифрования необходимый среднестатистическому пользователю</a:t>
             </a:r>
           </a:p>
         </p:txBody>
@@ -5023,7 +5020,7 @@
                 <a:ea typeface="Cascadia Code" panose="020B0609020000020004" pitchFamily="49" charset="0"/>
                 <a:cs typeface="Cascadia Code" panose="020B0609020000020004" pitchFamily="49" charset="0"/>
               </a:rPr>
-              <a:t>Скрины</a:t>
+              <a:t>Скриншоты</a:t>
             </a:r>
           </a:p>
         </p:txBody>

--- a/защита/CryptoDog.pptx
+++ b/защита/CryptoDog.pptx
@@ -9,18 +9,17 @@
     <p:sldId id="257" r:id="rId3"/>
     <p:sldId id="258" r:id="rId4"/>
     <p:sldId id="259" r:id="rId5"/>
-    <p:sldId id="266" r:id="rId6"/>
-    <p:sldId id="260" r:id="rId7"/>
-    <p:sldId id="261" r:id="rId8"/>
-    <p:sldId id="262" r:id="rId9"/>
-    <p:sldId id="263" r:id="rId10"/>
-    <p:sldId id="264" r:id="rId11"/>
-    <p:sldId id="265" r:id="rId12"/>
-    <p:sldId id="268" r:id="rId13"/>
-    <p:sldId id="267" r:id="rId14"/>
-    <p:sldId id="269" r:id="rId15"/>
-    <p:sldId id="270" r:id="rId16"/>
-    <p:sldId id="271" r:id="rId17"/>
+    <p:sldId id="260" r:id="rId6"/>
+    <p:sldId id="261" r:id="rId7"/>
+    <p:sldId id="262" r:id="rId8"/>
+    <p:sldId id="263" r:id="rId9"/>
+    <p:sldId id="264" r:id="rId10"/>
+    <p:sldId id="265" r:id="rId11"/>
+    <p:sldId id="268" r:id="rId12"/>
+    <p:sldId id="267" r:id="rId13"/>
+    <p:sldId id="269" r:id="rId14"/>
+    <p:sldId id="270" r:id="rId15"/>
+    <p:sldId id="271" r:id="rId16"/>
   </p:sldIdLst>
   <p:sldSz cx="12192000" cy="6858000"/>
   <p:notesSz cx="6858000" cy="9144000"/>
@@ -276,7 +275,7 @@
           <a:p>
             <a:fld id="{4F3296BC-0369-43A9-BF9C-2419B90DEAB9}" type="datetimeFigureOut">
               <a:rPr lang="ru-RU" smtClean="0"/>
-              <a:t>05.11.2023</a:t>
+              <a:t>06.11.2023</a:t>
             </a:fld>
             <a:endParaRPr lang="ru-RU"/>
           </a:p>
@@ -476,7 +475,7 @@
           <a:p>
             <a:fld id="{4F3296BC-0369-43A9-BF9C-2419B90DEAB9}" type="datetimeFigureOut">
               <a:rPr lang="ru-RU" smtClean="0"/>
-              <a:t>05.11.2023</a:t>
+              <a:t>06.11.2023</a:t>
             </a:fld>
             <a:endParaRPr lang="ru-RU"/>
           </a:p>
@@ -686,7 +685,7 @@
           <a:p>
             <a:fld id="{4F3296BC-0369-43A9-BF9C-2419B90DEAB9}" type="datetimeFigureOut">
               <a:rPr lang="ru-RU" smtClean="0"/>
-              <a:t>05.11.2023</a:t>
+              <a:t>06.11.2023</a:t>
             </a:fld>
             <a:endParaRPr lang="ru-RU"/>
           </a:p>
@@ -886,7 +885,7 @@
           <a:p>
             <a:fld id="{4F3296BC-0369-43A9-BF9C-2419B90DEAB9}" type="datetimeFigureOut">
               <a:rPr lang="ru-RU" smtClean="0"/>
-              <a:t>05.11.2023</a:t>
+              <a:t>06.11.2023</a:t>
             </a:fld>
             <a:endParaRPr lang="ru-RU"/>
           </a:p>
@@ -1162,7 +1161,7 @@
           <a:p>
             <a:fld id="{4F3296BC-0369-43A9-BF9C-2419B90DEAB9}" type="datetimeFigureOut">
               <a:rPr lang="ru-RU" smtClean="0"/>
-              <a:t>05.11.2023</a:t>
+              <a:t>06.11.2023</a:t>
             </a:fld>
             <a:endParaRPr lang="ru-RU"/>
           </a:p>
@@ -1430,7 +1429,7 @@
           <a:p>
             <a:fld id="{4F3296BC-0369-43A9-BF9C-2419B90DEAB9}" type="datetimeFigureOut">
               <a:rPr lang="ru-RU" smtClean="0"/>
-              <a:t>05.11.2023</a:t>
+              <a:t>06.11.2023</a:t>
             </a:fld>
             <a:endParaRPr lang="ru-RU"/>
           </a:p>
@@ -1845,7 +1844,7 @@
           <a:p>
             <a:fld id="{4F3296BC-0369-43A9-BF9C-2419B90DEAB9}" type="datetimeFigureOut">
               <a:rPr lang="ru-RU" smtClean="0"/>
-              <a:t>05.11.2023</a:t>
+              <a:t>06.11.2023</a:t>
             </a:fld>
             <a:endParaRPr lang="ru-RU"/>
           </a:p>
@@ -1987,7 +1986,7 @@
           <a:p>
             <a:fld id="{4F3296BC-0369-43A9-BF9C-2419B90DEAB9}" type="datetimeFigureOut">
               <a:rPr lang="ru-RU" smtClean="0"/>
-              <a:t>05.11.2023</a:t>
+              <a:t>06.11.2023</a:t>
             </a:fld>
             <a:endParaRPr lang="ru-RU"/>
           </a:p>
@@ -2100,7 +2099,7 @@
           <a:p>
             <a:fld id="{4F3296BC-0369-43A9-BF9C-2419B90DEAB9}" type="datetimeFigureOut">
               <a:rPr lang="ru-RU" smtClean="0"/>
-              <a:t>05.11.2023</a:t>
+              <a:t>06.11.2023</a:t>
             </a:fld>
             <a:endParaRPr lang="ru-RU"/>
           </a:p>
@@ -2413,7 +2412,7 @@
           <a:p>
             <a:fld id="{4F3296BC-0369-43A9-BF9C-2419B90DEAB9}" type="datetimeFigureOut">
               <a:rPr lang="ru-RU" smtClean="0"/>
-              <a:t>05.11.2023</a:t>
+              <a:t>06.11.2023</a:t>
             </a:fld>
             <a:endParaRPr lang="ru-RU"/>
           </a:p>
@@ -2702,7 +2701,7 @@
           <a:p>
             <a:fld id="{4F3296BC-0369-43A9-BF9C-2419B90DEAB9}" type="datetimeFigureOut">
               <a:rPr lang="ru-RU" smtClean="0"/>
-              <a:t>05.11.2023</a:t>
+              <a:t>06.11.2023</a:t>
             </a:fld>
             <a:endParaRPr lang="ru-RU"/>
           </a:p>
@@ -2945,7 +2944,7 @@
           <a:p>
             <a:fld id="{4F3296BC-0369-43A9-BF9C-2419B90DEAB9}" type="datetimeFigureOut">
               <a:rPr lang="ru-RU" smtClean="0"/>
-              <a:t>05.11.2023</a:t>
+              <a:t>06.11.2023</a:t>
             </a:fld>
             <a:endParaRPr lang="ru-RU"/>
           </a:p>
@@ -3442,7 +3441,7 @@
           <p:cNvPr id="2" name="Title 1">
             <a:extLst>
               <a:ext uri="{FF2B5EF4-FFF2-40B4-BE49-F238E27FC236}">
-                <a16:creationId xmlns:a16="http://schemas.microsoft.com/office/drawing/2014/main" id="{8B17D6A4-CB0D-4832-823C-1E1D191A262E}"/>
+                <a16:creationId xmlns:a16="http://schemas.microsoft.com/office/drawing/2014/main" id="{867A40B6-A2AE-4CCE-B29E-BD63B621BD49}"/>
               </a:ext>
             </a:extLst>
           </p:cNvPr>
@@ -3464,7 +3463,7 @@
                 <a:ea typeface="Cascadia Code" panose="020B0609020000020004" pitchFamily="49" charset="0"/>
                 <a:cs typeface="Cascadia Code" panose="020B0609020000020004" pitchFamily="49" charset="0"/>
               </a:rPr>
-              <a:t>Используемые библиотеки</a:t>
+              <a:t>Особенности</a:t>
             </a:r>
           </a:p>
         </p:txBody>
@@ -3474,7 +3473,7 @@
           <p:cNvPr id="3" name="Content Placeholder 2">
             <a:extLst>
               <a:ext uri="{FF2B5EF4-FFF2-40B4-BE49-F238E27FC236}">
-                <a16:creationId xmlns:a16="http://schemas.microsoft.com/office/drawing/2014/main" id="{C925D752-A869-4349-A6BC-6DB75CC8FAB6}"/>
+                <a16:creationId xmlns:a16="http://schemas.microsoft.com/office/drawing/2014/main" id="{5893D73F-3C2F-4678-9ACD-D65875C6B32D}"/>
               </a:ext>
             </a:extLst>
           </p:cNvPr>
@@ -3485,97 +3484,41 @@
             <p:ph idx="1"/>
           </p:nvPr>
         </p:nvSpPr>
-        <p:spPr>
-          <a:xfrm>
-            <a:off x="838200" y="1825625"/>
-            <a:ext cx="10515600" cy="4463208"/>
-          </a:xfrm>
-        </p:spPr>
-        <p:txBody>
-          <a:bodyPr/>
-          <a:lstStyle/>
-          <a:p>
-            <a:r>
-              <a:rPr lang="en-US" dirty="0">
-                <a:latin typeface="Cascadia Code" panose="020B0609020000020004" pitchFamily="49" charset="0"/>
-                <a:ea typeface="Cascadia Code" panose="020B0609020000020004" pitchFamily="49" charset="0"/>
-                <a:cs typeface="Cascadia Code" panose="020B0609020000020004" pitchFamily="49" charset="0"/>
-              </a:rPr>
-              <a:t>PyQt5, </a:t>
-            </a:r>
-            <a:r>
-              <a:rPr lang="en-US" dirty="0" err="1">
-                <a:latin typeface="Cascadia Code" panose="020B0609020000020004" pitchFamily="49" charset="0"/>
-                <a:ea typeface="Cascadia Code" panose="020B0609020000020004" pitchFamily="49" charset="0"/>
-                <a:cs typeface="Cascadia Code" panose="020B0609020000020004" pitchFamily="49" charset="0"/>
-              </a:rPr>
-              <a:t>sqlite</a:t>
-            </a:r>
-            <a:r>
-              <a:rPr lang="en-US" dirty="0">
-                <a:latin typeface="Cascadia Code" panose="020B0609020000020004" pitchFamily="49" charset="0"/>
-                <a:ea typeface="Cascadia Code" panose="020B0609020000020004" pitchFamily="49" charset="0"/>
-                <a:cs typeface="Cascadia Code" panose="020B0609020000020004" pitchFamily="49" charset="0"/>
-              </a:rPr>
-              <a:t>, datetime</a:t>
-            </a:r>
-          </a:p>
-          <a:p>
-            <a:pPr marL="0" indent="0">
-              <a:buNone/>
-            </a:pPr>
-            <a:endParaRPr lang="en-US" dirty="0">
+        <p:spPr/>
+        <p:txBody>
+          <a:bodyPr/>
+          <a:lstStyle/>
+          <a:p>
+            <a:r>
+              <a:rPr lang="ru-RU" dirty="0">
+                <a:latin typeface="Cascadia Code" panose="020B0609020000020004" pitchFamily="49" charset="0"/>
+                <a:ea typeface="Cascadia Code" panose="020B0609020000020004" pitchFamily="49" charset="0"/>
+                <a:cs typeface="Cascadia Code" panose="020B0609020000020004" pitchFamily="49" charset="0"/>
+              </a:rPr>
+              <a:t>Только для </a:t>
+            </a:r>
+            <a:r>
+              <a:rPr lang="en-US" b="1" dirty="0">
+                <a:latin typeface="Cascadia Code" panose="020B0609020000020004" pitchFamily="49" charset="0"/>
+                <a:ea typeface="Cascadia Code" panose="020B0609020000020004" pitchFamily="49" charset="0"/>
+                <a:cs typeface="Cascadia Code" panose="020B0609020000020004" pitchFamily="49" charset="0"/>
+              </a:rPr>
+              <a:t>Python 3.11</a:t>
+            </a:r>
+            <a:endParaRPr lang="ru-RU" b="1" dirty="0">
               <a:latin typeface="Cascadia Code" panose="020B0609020000020004" pitchFamily="49" charset="0"/>
               <a:ea typeface="Cascadia Code" panose="020B0609020000020004" pitchFamily="49" charset="0"/>
               <a:cs typeface="Cascadia Code" panose="020B0609020000020004" pitchFamily="49" charset="0"/>
             </a:endParaRPr>
           </a:p>
           <a:p>
-            <a:pPr marL="0" indent="0">
-              <a:buNone/>
-            </a:pPr>
             <a:r>
               <a:rPr lang="ru-RU" dirty="0">
                 <a:latin typeface="Cascadia Code" panose="020B0609020000020004" pitchFamily="49" charset="0"/>
                 <a:ea typeface="Cascadia Code" panose="020B0609020000020004" pitchFamily="49" charset="0"/>
                 <a:cs typeface="Cascadia Code" panose="020B0609020000020004" pitchFamily="49" charset="0"/>
               </a:rPr>
-              <a:t>Библиотеки изученные самостоятельно</a:t>
-            </a:r>
-            <a:r>
-              <a:rPr lang="en-US" dirty="0">
-                <a:latin typeface="Cascadia Code" panose="020B0609020000020004" pitchFamily="49" charset="0"/>
-                <a:ea typeface="Cascadia Code" panose="020B0609020000020004" pitchFamily="49" charset="0"/>
-                <a:cs typeface="Cascadia Code" panose="020B0609020000020004" pitchFamily="49" charset="0"/>
-              </a:rPr>
-              <a:t>:</a:t>
-            </a:r>
-          </a:p>
-          <a:p>
-            <a:pPr lvl="1"/>
-            <a:r>
-              <a:rPr lang="en-US" dirty="0">
-                <a:latin typeface="Cascadia Code" panose="020B0609020000020004" pitchFamily="49" charset="0"/>
-                <a:ea typeface="Cascadia Code" panose="020B0609020000020004" pitchFamily="49" charset="0"/>
-                <a:cs typeface="Cascadia Code" panose="020B0609020000020004" pitchFamily="49" charset="0"/>
-              </a:rPr>
-              <a:t>python-</a:t>
-            </a:r>
-            <a:r>
-              <a:rPr lang="en-US" dirty="0" err="1">
-                <a:latin typeface="Cascadia Code" panose="020B0609020000020004" pitchFamily="49" charset="0"/>
-                <a:ea typeface="Cascadia Code" panose="020B0609020000020004" pitchFamily="49" charset="0"/>
-                <a:cs typeface="Cascadia Code" panose="020B0609020000020004" pitchFamily="49" charset="0"/>
-              </a:rPr>
-              <a:t>gnupg</a:t>
-            </a:r>
-            <a:r>
-              <a:rPr lang="en-US" dirty="0">
-                <a:latin typeface="Cascadia Code" panose="020B0609020000020004" pitchFamily="49" charset="0"/>
-                <a:ea typeface="Cascadia Code" panose="020B0609020000020004" pitchFamily="49" charset="0"/>
-                <a:cs typeface="Cascadia Code" panose="020B0609020000020004" pitchFamily="49" charset="0"/>
-              </a:rPr>
-              <a:t> </a:t>
+              <a:t>Зависимость от утилиты </a:t>
             </a:r>
             <a:r>
               <a:rPr lang="en-US" i="1" dirty="0">
@@ -3583,125 +3526,32 @@
                 <a:ea typeface="Cascadia Code" panose="020B0609020000020004" pitchFamily="49" charset="0"/>
                 <a:cs typeface="Cascadia Code" panose="020B0609020000020004" pitchFamily="49" charset="0"/>
               </a:rPr>
-              <a:t>(</a:t>
-            </a:r>
-            <a:r>
-              <a:rPr lang="ru-RU" i="1" dirty="0">
-                <a:latin typeface="Cascadia Code" panose="020B0609020000020004" pitchFamily="49" charset="0"/>
-                <a:ea typeface="Cascadia Code" panose="020B0609020000020004" pitchFamily="49" charset="0"/>
-                <a:cs typeface="Cascadia Code" panose="020B0609020000020004" pitchFamily="49" charset="0"/>
-              </a:rPr>
-              <a:t>взаимодействие с утилитой </a:t>
-            </a:r>
-            <a:r>
-              <a:rPr lang="en-US" i="1" dirty="0">
-                <a:latin typeface="Cascadia Code" panose="020B0609020000020004" pitchFamily="49" charset="0"/>
-                <a:ea typeface="Cascadia Code" panose="020B0609020000020004" pitchFamily="49" charset="0"/>
-                <a:cs typeface="Cascadia Code" panose="020B0609020000020004" pitchFamily="49" charset="0"/>
-              </a:rPr>
-              <a:t>GPG)</a:t>
-            </a:r>
-          </a:p>
-          <a:p>
-            <a:pPr lvl="1"/>
-            <a:r>
-              <a:rPr lang="en-US" dirty="0" err="1">
-                <a:latin typeface="Cascadia Code" panose="020B0609020000020004" pitchFamily="49" charset="0"/>
-                <a:ea typeface="Cascadia Code" panose="020B0609020000020004" pitchFamily="49" charset="0"/>
-                <a:cs typeface="Cascadia Code" panose="020B0609020000020004" pitchFamily="49" charset="0"/>
-              </a:rPr>
-              <a:t>PyCryptodome</a:t>
-            </a:r>
-            <a:r>
-              <a:rPr lang="ru-RU" dirty="0">
-                <a:latin typeface="Cascadia Code" panose="020B0609020000020004" pitchFamily="49" charset="0"/>
-                <a:ea typeface="Cascadia Code" panose="020B0609020000020004" pitchFamily="49" charset="0"/>
-                <a:cs typeface="Cascadia Code" panose="020B0609020000020004" pitchFamily="49" charset="0"/>
-              </a:rPr>
-              <a:t> </a:t>
-            </a:r>
-            <a:r>
-              <a:rPr lang="ru-RU" i="1" dirty="0">
-                <a:latin typeface="Cascadia Code" panose="020B0609020000020004" pitchFamily="49" charset="0"/>
-                <a:ea typeface="Cascadia Code" panose="020B0609020000020004" pitchFamily="49" charset="0"/>
-                <a:cs typeface="Cascadia Code" panose="020B0609020000020004" pitchFamily="49" charset="0"/>
-              </a:rPr>
-              <a:t>(</a:t>
-            </a:r>
-            <a:r>
-              <a:rPr lang="ru-RU" i="1" dirty="0" err="1">
-                <a:latin typeface="Cascadia Code" panose="020B0609020000020004" pitchFamily="49" charset="0"/>
-                <a:ea typeface="Cascadia Code" panose="020B0609020000020004" pitchFamily="49" charset="0"/>
-                <a:cs typeface="Cascadia Code" panose="020B0609020000020004" pitchFamily="49" charset="0"/>
-              </a:rPr>
-              <a:t>симметричнное</a:t>
-            </a:r>
-            <a:r>
-              <a:rPr lang="ru-RU" i="1" dirty="0">
-                <a:latin typeface="Cascadia Code" panose="020B0609020000020004" pitchFamily="49" charset="0"/>
-                <a:ea typeface="Cascadia Code" panose="020B0609020000020004" pitchFamily="49" charset="0"/>
-                <a:cs typeface="Cascadia Code" panose="020B0609020000020004" pitchFamily="49" charset="0"/>
-              </a:rPr>
-              <a:t> шифрование)</a:t>
-            </a:r>
-          </a:p>
-          <a:p>
-            <a:pPr lvl="1"/>
-            <a:r>
-              <a:rPr lang="en-US" dirty="0" err="1">
-                <a:latin typeface="Cascadia Code" panose="020B0609020000020004" pitchFamily="49" charset="0"/>
-                <a:ea typeface="Cascadia Code" panose="020B0609020000020004" pitchFamily="49" charset="0"/>
-                <a:cs typeface="Cascadia Code" panose="020B0609020000020004" pitchFamily="49" charset="0"/>
-              </a:rPr>
-              <a:t>hashlib</a:t>
-            </a:r>
-            <a:r>
-              <a:rPr lang="en-US" dirty="0">
-                <a:latin typeface="Cascadia Code" panose="020B0609020000020004" pitchFamily="49" charset="0"/>
-                <a:ea typeface="Cascadia Code" panose="020B0609020000020004" pitchFamily="49" charset="0"/>
-                <a:cs typeface="Cascadia Code" panose="020B0609020000020004" pitchFamily="49" charset="0"/>
-              </a:rPr>
-              <a:t> </a:t>
-            </a:r>
-            <a:r>
-              <a:rPr lang="ru-RU" i="1" dirty="0">
-                <a:latin typeface="Cascadia Code" panose="020B0609020000020004" pitchFamily="49" charset="0"/>
-                <a:ea typeface="Cascadia Code" panose="020B0609020000020004" pitchFamily="49" charset="0"/>
-                <a:cs typeface="Cascadia Code" panose="020B0609020000020004" pitchFamily="49" charset="0"/>
-              </a:rPr>
-              <a:t>(алгоритмы хэширования)</a:t>
-            </a:r>
-            <a:endParaRPr lang="en-US" i="1" dirty="0">
+              <a:t>Gpg4win</a:t>
+            </a:r>
+            <a:endParaRPr lang="ru-RU" i="1" dirty="0">
               <a:latin typeface="Cascadia Code" panose="020B0609020000020004" pitchFamily="49" charset="0"/>
               <a:ea typeface="Cascadia Code" panose="020B0609020000020004" pitchFamily="49" charset="0"/>
               <a:cs typeface="Cascadia Code" panose="020B0609020000020004" pitchFamily="49" charset="0"/>
             </a:endParaRPr>
           </a:p>
           <a:p>
-            <a:pPr lvl="1"/>
-            <a:r>
-              <a:rPr lang="en-US" dirty="0">
-                <a:latin typeface="Cascadia Code" panose="020B0609020000020004" pitchFamily="49" charset="0"/>
-                <a:ea typeface="Cascadia Code" panose="020B0609020000020004" pitchFamily="49" charset="0"/>
-                <a:cs typeface="Cascadia Code" panose="020B0609020000020004" pitchFamily="49" charset="0"/>
-              </a:rPr>
-              <a:t>base64</a:t>
-            </a:r>
             <a:r>
               <a:rPr lang="ru-RU" dirty="0">
                 <a:latin typeface="Cascadia Code" panose="020B0609020000020004" pitchFamily="49" charset="0"/>
                 <a:ea typeface="Cascadia Code" panose="020B0609020000020004" pitchFamily="49" charset="0"/>
                 <a:cs typeface="Cascadia Code" panose="020B0609020000020004" pitchFamily="49" charset="0"/>
               </a:rPr>
-              <a:t> </a:t>
-            </a:r>
-            <a:r>
-              <a:rPr lang="ru-RU" i="1" dirty="0">
-                <a:latin typeface="Cascadia Code" panose="020B0609020000020004" pitchFamily="49" charset="0"/>
-                <a:ea typeface="Cascadia Code" panose="020B0609020000020004" pitchFamily="49" charset="0"/>
-                <a:cs typeface="Cascadia Code" panose="020B0609020000020004" pitchFamily="49" charset="0"/>
-              </a:rPr>
-              <a:t>(кодировка </a:t>
+              <a:t>Только вражеская английская локализация</a:t>
+            </a:r>
+          </a:p>
+          <a:p>
+            <a:r>
+              <a:rPr lang="ru-RU" dirty="0">
+                <a:latin typeface="Cascadia Code" panose="020B0609020000020004" pitchFamily="49" charset="0"/>
+                <a:ea typeface="Cascadia Code" panose="020B0609020000020004" pitchFamily="49" charset="0"/>
+                <a:cs typeface="Cascadia Code" panose="020B0609020000020004" pitchFamily="49" charset="0"/>
+              </a:rPr>
+              <a:t>Тема </a:t>
             </a:r>
             <a:r>
               <a:rPr lang="en-US" i="1" dirty="0">
@@ -3709,39 +3559,50 @@
                 <a:ea typeface="Cascadia Code" panose="020B0609020000020004" pitchFamily="49" charset="0"/>
                 <a:cs typeface="Cascadia Code" panose="020B0609020000020004" pitchFamily="49" charset="0"/>
               </a:rPr>
-              <a:t>base64</a:t>
-            </a:r>
-            <a:r>
-              <a:rPr lang="ru-RU" i="1" dirty="0">
-                <a:latin typeface="Cascadia Code" panose="020B0609020000020004" pitchFamily="49" charset="0"/>
-                <a:ea typeface="Cascadia Code" panose="020B0609020000020004" pitchFamily="49" charset="0"/>
-                <a:cs typeface="Cascadia Code" panose="020B0609020000020004" pitchFamily="49" charset="0"/>
-              </a:rPr>
-              <a:t>)</a:t>
-            </a:r>
-            <a:endParaRPr lang="en-US" i="1" dirty="0">
+              <a:t>KDE Breeze</a:t>
+            </a:r>
+          </a:p>
+          <a:p>
+            <a:r>
+              <a:rPr lang="ru-RU" dirty="0">
+                <a:latin typeface="Cascadia Code" panose="020B0609020000020004" pitchFamily="49" charset="0"/>
+                <a:ea typeface="Cascadia Code" panose="020B0609020000020004" pitchFamily="49" charset="0"/>
+                <a:cs typeface="Cascadia Code" panose="020B0609020000020004" pitchFamily="49" charset="0"/>
+              </a:rPr>
+              <a:t>Лицензия </a:t>
+            </a:r>
+            <a:r>
+              <a:rPr lang="en-US" i="1" dirty="0">
+                <a:latin typeface="Cascadia Code" panose="020B0609020000020004" pitchFamily="49" charset="0"/>
+                <a:ea typeface="Cascadia Code" panose="020B0609020000020004" pitchFamily="49" charset="0"/>
+                <a:cs typeface="Cascadia Code" panose="020B0609020000020004" pitchFamily="49" charset="0"/>
+              </a:rPr>
+              <a:t>Apache License 2.0</a:t>
+            </a:r>
+            <a:endParaRPr lang="ru-RU" i="1" dirty="0">
               <a:latin typeface="Cascadia Code" panose="020B0609020000020004" pitchFamily="49" charset="0"/>
               <a:ea typeface="Cascadia Code" panose="020B0609020000020004" pitchFamily="49" charset="0"/>
               <a:cs typeface="Cascadia Code" panose="020B0609020000020004" pitchFamily="49" charset="0"/>
             </a:endParaRPr>
           </a:p>
           <a:p>
-            <a:pPr lvl="1"/>
-            <a:r>
-              <a:rPr lang="en-US" dirty="0" err="1">
-                <a:latin typeface="Cascadia Code" panose="020B0609020000020004" pitchFamily="49" charset="0"/>
-                <a:ea typeface="Cascadia Code" panose="020B0609020000020004" pitchFamily="49" charset="0"/>
-                <a:cs typeface="Cascadia Code" panose="020B0609020000020004" pitchFamily="49" charset="0"/>
-              </a:rPr>
-              <a:t>pyperclip</a:t>
-            </a:r>
-            <a:r>
-              <a:rPr lang="en-US" dirty="0">
-                <a:latin typeface="Cascadia Code" panose="020B0609020000020004" pitchFamily="49" charset="0"/>
-                <a:ea typeface="Cascadia Code" panose="020B0609020000020004" pitchFamily="49" charset="0"/>
-                <a:cs typeface="Cascadia Code" panose="020B0609020000020004" pitchFamily="49" charset="0"/>
-              </a:rPr>
-              <a:t> </a:t>
+            <a:r>
+              <a:rPr lang="ru-RU" dirty="0">
+                <a:latin typeface="Cascadia Code" panose="020B0609020000020004" pitchFamily="49" charset="0"/>
+                <a:ea typeface="Cascadia Code" panose="020B0609020000020004" pitchFamily="49" charset="0"/>
+                <a:cs typeface="Cascadia Code" panose="020B0609020000020004" pitchFamily="49" charset="0"/>
+              </a:rPr>
+              <a:t>Баги из неоткуда</a:t>
+            </a:r>
+          </a:p>
+          <a:p>
+            <a:r>
+              <a:rPr lang="ru-RU" dirty="0">
+                <a:latin typeface="Cascadia Code" panose="020B0609020000020004" pitchFamily="49" charset="0"/>
+                <a:ea typeface="Cascadia Code" panose="020B0609020000020004" pitchFamily="49" charset="0"/>
+                <a:cs typeface="Cascadia Code" panose="020B0609020000020004" pitchFamily="49" charset="0"/>
+              </a:rPr>
+              <a:t>Нестандартное поведение </a:t>
             </a:r>
             <a:r>
               <a:rPr lang="ru-RU" i="1" dirty="0">
@@ -3749,34 +3610,15 @@
                 <a:ea typeface="Cascadia Code" panose="020B0609020000020004" pitchFamily="49" charset="0"/>
                 <a:cs typeface="Cascadia Code" panose="020B0609020000020004" pitchFamily="49" charset="0"/>
               </a:rPr>
-              <a:t>(буфер обмена)</a:t>
-            </a:r>
-            <a:endParaRPr lang="en-US" i="1" dirty="0">
-              <a:latin typeface="Cascadia Code" panose="020B0609020000020004" pitchFamily="49" charset="0"/>
-              <a:ea typeface="Cascadia Code" panose="020B0609020000020004" pitchFamily="49" charset="0"/>
-              <a:cs typeface="Cascadia Code" panose="020B0609020000020004" pitchFamily="49" charset="0"/>
-            </a:endParaRPr>
-          </a:p>
-          <a:p>
-            <a:pPr lvl="1">
-              <a:buFont typeface="Courier New" panose="02070309020205020404" pitchFamily="49" charset="0"/>
-              <a:buChar char="o"/>
-            </a:pPr>
-            <a:r>
-              <a:rPr lang="en-US" dirty="0" err="1">
-                <a:latin typeface="Cascadia Code" panose="020B0609020000020004" pitchFamily="49" charset="0"/>
-                <a:ea typeface="Cascadia Code" panose="020B0609020000020004" pitchFamily="49" charset="0"/>
-                <a:cs typeface="Cascadia Code" panose="020B0609020000020004" pitchFamily="49" charset="0"/>
-              </a:rPr>
-              <a:t>webbrowser</a:t>
-            </a:r>
-            <a:r>
-              <a:rPr lang="en-US" dirty="0">
-                <a:latin typeface="Cascadia Code" panose="020B0609020000020004" pitchFamily="49" charset="0"/>
-                <a:ea typeface="Cascadia Code" panose="020B0609020000020004" pitchFamily="49" charset="0"/>
-                <a:cs typeface="Cascadia Code" panose="020B0609020000020004" pitchFamily="49" charset="0"/>
-              </a:rPr>
-              <a:t> </a:t>
+              <a:t>(</a:t>
+            </a:r>
+            <a:r>
+              <a:rPr lang="en-US" i="1" dirty="0">
+                <a:latin typeface="Cascadia Code" panose="020B0609020000020004" pitchFamily="49" charset="0"/>
+                <a:ea typeface="Cascadia Code" panose="020B0609020000020004" pitchFamily="49" charset="0"/>
+                <a:cs typeface="Cascadia Code" panose="020B0609020000020004" pitchFamily="49" charset="0"/>
+              </a:rPr>
+              <a:t>Easter Eggs</a:t>
             </a:r>
             <a:r>
               <a:rPr lang="ru-RU" i="1" dirty="0">
@@ -3784,55 +3626,15 @@
                 <a:ea typeface="Cascadia Code" panose="020B0609020000020004" pitchFamily="49" charset="0"/>
                 <a:cs typeface="Cascadia Code" panose="020B0609020000020004" pitchFamily="49" charset="0"/>
               </a:rPr>
-              <a:t>(открытие ссылок)</a:t>
-            </a:r>
-            <a:endParaRPr lang="en-US" i="1" dirty="0">
-              <a:latin typeface="Cascadia Code" panose="020B0609020000020004" pitchFamily="49" charset="0"/>
-              <a:ea typeface="Cascadia Code" panose="020B0609020000020004" pitchFamily="49" charset="0"/>
-              <a:cs typeface="Cascadia Code" panose="020B0609020000020004" pitchFamily="49" charset="0"/>
-            </a:endParaRPr>
-          </a:p>
-          <a:p>
-            <a:pPr lvl="1">
-              <a:buFont typeface="Courier New" panose="02070309020205020404" pitchFamily="49" charset="0"/>
-              <a:buChar char="o"/>
-            </a:pPr>
-            <a:r>
-              <a:rPr lang="en-US" dirty="0" err="1">
-                <a:latin typeface="Cascadia Code" panose="020B0609020000020004" pitchFamily="49" charset="0"/>
-                <a:ea typeface="Cascadia Code" panose="020B0609020000020004" pitchFamily="49" charset="0"/>
-                <a:cs typeface="Cascadia Code" panose="020B0609020000020004" pitchFamily="49" charset="0"/>
-              </a:rPr>
-              <a:t>binascii</a:t>
-            </a:r>
-            <a:r>
-              <a:rPr lang="en-US" dirty="0">
-                <a:latin typeface="Cascadia Code" panose="020B0609020000020004" pitchFamily="49" charset="0"/>
-                <a:ea typeface="Cascadia Code" panose="020B0609020000020004" pitchFamily="49" charset="0"/>
-                <a:cs typeface="Cascadia Code" panose="020B0609020000020004" pitchFamily="49" charset="0"/>
-              </a:rPr>
-              <a:t> </a:t>
-            </a:r>
-            <a:r>
-              <a:rPr lang="ru-RU" i="1" dirty="0">
-                <a:latin typeface="Cascadia Code" panose="020B0609020000020004" pitchFamily="49" charset="0"/>
-                <a:ea typeface="Cascadia Code" panose="020B0609020000020004" pitchFamily="49" charset="0"/>
-                <a:cs typeface="Cascadia Code" panose="020B0609020000020004" pitchFamily="49" charset="0"/>
-              </a:rPr>
-              <a:t>(только для обработки исключений)</a:t>
-            </a:r>
-            <a:endParaRPr lang="en-US" i="1" dirty="0">
-              <a:latin typeface="Cascadia Code" panose="020B0609020000020004" pitchFamily="49" charset="0"/>
-              <a:ea typeface="Cascadia Code" panose="020B0609020000020004" pitchFamily="49" charset="0"/>
-              <a:cs typeface="Cascadia Code" panose="020B0609020000020004" pitchFamily="49" charset="0"/>
-            </a:endParaRPr>
+              <a:t>)</a:t>
+            </a:r>
           </a:p>
         </p:txBody>
       </p:sp>
     </p:spTree>
     <p:extLst>
       <p:ext uri="{BB962C8B-B14F-4D97-AF65-F5344CB8AC3E}">
-        <p14:creationId xmlns:p14="http://schemas.microsoft.com/office/powerpoint/2010/main" val="1395751737"/>
+        <p14:creationId xmlns:p14="http://schemas.microsoft.com/office/powerpoint/2010/main" val="2695161253"/>
       </p:ext>
     </p:extLst>
   </p:cSld>
@@ -3864,231 +3666,6 @@
           <p:cNvPr id="2" name="Title 1">
             <a:extLst>
               <a:ext uri="{FF2B5EF4-FFF2-40B4-BE49-F238E27FC236}">
-                <a16:creationId xmlns:a16="http://schemas.microsoft.com/office/drawing/2014/main" id="{867A40B6-A2AE-4CCE-B29E-BD63B621BD49}"/>
-              </a:ext>
-            </a:extLst>
-          </p:cNvPr>
-          <p:cNvSpPr>
-            <a:spLocks noGrp="1"/>
-          </p:cNvSpPr>
-          <p:nvPr>
-            <p:ph type="title"/>
-          </p:nvPr>
-        </p:nvSpPr>
-        <p:spPr/>
-        <p:txBody>
-          <a:bodyPr/>
-          <a:lstStyle/>
-          <a:p>
-            <a:r>
-              <a:rPr lang="ru-RU" dirty="0">
-                <a:latin typeface="Cascadia Code" panose="020B0609020000020004" pitchFamily="49" charset="0"/>
-                <a:ea typeface="Cascadia Code" panose="020B0609020000020004" pitchFamily="49" charset="0"/>
-                <a:cs typeface="Cascadia Code" panose="020B0609020000020004" pitchFamily="49" charset="0"/>
-              </a:rPr>
-              <a:t>Особенности</a:t>
-            </a:r>
-          </a:p>
-        </p:txBody>
-      </p:sp>
-      <p:sp>
-        <p:nvSpPr>
-          <p:cNvPr id="3" name="Content Placeholder 2">
-            <a:extLst>
-              <a:ext uri="{FF2B5EF4-FFF2-40B4-BE49-F238E27FC236}">
-                <a16:creationId xmlns:a16="http://schemas.microsoft.com/office/drawing/2014/main" id="{5893D73F-3C2F-4678-9ACD-D65875C6B32D}"/>
-              </a:ext>
-            </a:extLst>
-          </p:cNvPr>
-          <p:cNvSpPr>
-            <a:spLocks noGrp="1"/>
-          </p:cNvSpPr>
-          <p:nvPr>
-            <p:ph idx="1"/>
-          </p:nvPr>
-        </p:nvSpPr>
-        <p:spPr/>
-        <p:txBody>
-          <a:bodyPr/>
-          <a:lstStyle/>
-          <a:p>
-            <a:r>
-              <a:rPr lang="ru-RU" dirty="0">
-                <a:latin typeface="Cascadia Code" panose="020B0609020000020004" pitchFamily="49" charset="0"/>
-                <a:ea typeface="Cascadia Code" panose="020B0609020000020004" pitchFamily="49" charset="0"/>
-                <a:cs typeface="Cascadia Code" panose="020B0609020000020004" pitchFamily="49" charset="0"/>
-              </a:rPr>
-              <a:t>Только для </a:t>
-            </a:r>
-            <a:r>
-              <a:rPr lang="en-US" b="1" dirty="0">
-                <a:latin typeface="Cascadia Code" panose="020B0609020000020004" pitchFamily="49" charset="0"/>
-                <a:ea typeface="Cascadia Code" panose="020B0609020000020004" pitchFamily="49" charset="0"/>
-                <a:cs typeface="Cascadia Code" panose="020B0609020000020004" pitchFamily="49" charset="0"/>
-              </a:rPr>
-              <a:t>Python 3.11</a:t>
-            </a:r>
-            <a:endParaRPr lang="ru-RU" b="1" dirty="0">
-              <a:latin typeface="Cascadia Code" panose="020B0609020000020004" pitchFamily="49" charset="0"/>
-              <a:ea typeface="Cascadia Code" panose="020B0609020000020004" pitchFamily="49" charset="0"/>
-              <a:cs typeface="Cascadia Code" panose="020B0609020000020004" pitchFamily="49" charset="0"/>
-            </a:endParaRPr>
-          </a:p>
-          <a:p>
-            <a:r>
-              <a:rPr lang="ru-RU" dirty="0">
-                <a:latin typeface="Cascadia Code" panose="020B0609020000020004" pitchFamily="49" charset="0"/>
-                <a:ea typeface="Cascadia Code" panose="020B0609020000020004" pitchFamily="49" charset="0"/>
-                <a:cs typeface="Cascadia Code" panose="020B0609020000020004" pitchFamily="49" charset="0"/>
-              </a:rPr>
-              <a:t>Зависимость от утилиты </a:t>
-            </a:r>
-            <a:r>
-              <a:rPr lang="en-US" i="1" dirty="0">
-                <a:latin typeface="Cascadia Code" panose="020B0609020000020004" pitchFamily="49" charset="0"/>
-                <a:ea typeface="Cascadia Code" panose="020B0609020000020004" pitchFamily="49" charset="0"/>
-                <a:cs typeface="Cascadia Code" panose="020B0609020000020004" pitchFamily="49" charset="0"/>
-              </a:rPr>
-              <a:t>Gpg4win</a:t>
-            </a:r>
-            <a:endParaRPr lang="ru-RU" i="1" dirty="0">
-              <a:latin typeface="Cascadia Code" panose="020B0609020000020004" pitchFamily="49" charset="0"/>
-              <a:ea typeface="Cascadia Code" panose="020B0609020000020004" pitchFamily="49" charset="0"/>
-              <a:cs typeface="Cascadia Code" panose="020B0609020000020004" pitchFamily="49" charset="0"/>
-            </a:endParaRPr>
-          </a:p>
-          <a:p>
-            <a:r>
-              <a:rPr lang="ru-RU" dirty="0">
-                <a:latin typeface="Cascadia Code" panose="020B0609020000020004" pitchFamily="49" charset="0"/>
-                <a:ea typeface="Cascadia Code" panose="020B0609020000020004" pitchFamily="49" charset="0"/>
-                <a:cs typeface="Cascadia Code" panose="020B0609020000020004" pitchFamily="49" charset="0"/>
-              </a:rPr>
-              <a:t>Только вражеская английская локализация</a:t>
-            </a:r>
-          </a:p>
-          <a:p>
-            <a:r>
-              <a:rPr lang="ru-RU" dirty="0">
-                <a:latin typeface="Cascadia Code" panose="020B0609020000020004" pitchFamily="49" charset="0"/>
-                <a:ea typeface="Cascadia Code" panose="020B0609020000020004" pitchFamily="49" charset="0"/>
-                <a:cs typeface="Cascadia Code" panose="020B0609020000020004" pitchFamily="49" charset="0"/>
-              </a:rPr>
-              <a:t>Тема </a:t>
-            </a:r>
-            <a:r>
-              <a:rPr lang="en-US" i="1" dirty="0">
-                <a:latin typeface="Cascadia Code" panose="020B0609020000020004" pitchFamily="49" charset="0"/>
-                <a:ea typeface="Cascadia Code" panose="020B0609020000020004" pitchFamily="49" charset="0"/>
-                <a:cs typeface="Cascadia Code" panose="020B0609020000020004" pitchFamily="49" charset="0"/>
-              </a:rPr>
-              <a:t>KDE Breeze</a:t>
-            </a:r>
-          </a:p>
-          <a:p>
-            <a:r>
-              <a:rPr lang="ru-RU" dirty="0">
-                <a:latin typeface="Cascadia Code" panose="020B0609020000020004" pitchFamily="49" charset="0"/>
-                <a:ea typeface="Cascadia Code" panose="020B0609020000020004" pitchFamily="49" charset="0"/>
-                <a:cs typeface="Cascadia Code" panose="020B0609020000020004" pitchFamily="49" charset="0"/>
-              </a:rPr>
-              <a:t>Лицензия </a:t>
-            </a:r>
-            <a:r>
-              <a:rPr lang="en-US" i="1" dirty="0">
-                <a:latin typeface="Cascadia Code" panose="020B0609020000020004" pitchFamily="49" charset="0"/>
-                <a:ea typeface="Cascadia Code" panose="020B0609020000020004" pitchFamily="49" charset="0"/>
-                <a:cs typeface="Cascadia Code" panose="020B0609020000020004" pitchFamily="49" charset="0"/>
-              </a:rPr>
-              <a:t>Apache License 2.0</a:t>
-            </a:r>
-            <a:endParaRPr lang="ru-RU" i="1" dirty="0">
-              <a:latin typeface="Cascadia Code" panose="020B0609020000020004" pitchFamily="49" charset="0"/>
-              <a:ea typeface="Cascadia Code" panose="020B0609020000020004" pitchFamily="49" charset="0"/>
-              <a:cs typeface="Cascadia Code" panose="020B0609020000020004" pitchFamily="49" charset="0"/>
-            </a:endParaRPr>
-          </a:p>
-          <a:p>
-            <a:r>
-              <a:rPr lang="ru-RU" dirty="0">
-                <a:latin typeface="Cascadia Code" panose="020B0609020000020004" pitchFamily="49" charset="0"/>
-                <a:ea typeface="Cascadia Code" panose="020B0609020000020004" pitchFamily="49" charset="0"/>
-                <a:cs typeface="Cascadia Code" panose="020B0609020000020004" pitchFamily="49" charset="0"/>
-              </a:rPr>
-              <a:t>Баги из неоткуда</a:t>
-            </a:r>
-          </a:p>
-          <a:p>
-            <a:r>
-              <a:rPr lang="ru-RU" dirty="0">
-                <a:latin typeface="Cascadia Code" panose="020B0609020000020004" pitchFamily="49" charset="0"/>
-                <a:ea typeface="Cascadia Code" panose="020B0609020000020004" pitchFamily="49" charset="0"/>
-                <a:cs typeface="Cascadia Code" panose="020B0609020000020004" pitchFamily="49" charset="0"/>
-              </a:rPr>
-              <a:t>Нестандартное поведение </a:t>
-            </a:r>
-            <a:r>
-              <a:rPr lang="ru-RU" i="1" dirty="0">
-                <a:latin typeface="Cascadia Code" panose="020B0609020000020004" pitchFamily="49" charset="0"/>
-                <a:ea typeface="Cascadia Code" panose="020B0609020000020004" pitchFamily="49" charset="0"/>
-                <a:cs typeface="Cascadia Code" panose="020B0609020000020004" pitchFamily="49" charset="0"/>
-              </a:rPr>
-              <a:t>(</a:t>
-            </a:r>
-            <a:r>
-              <a:rPr lang="en-US" i="1" dirty="0">
-                <a:latin typeface="Cascadia Code" panose="020B0609020000020004" pitchFamily="49" charset="0"/>
-                <a:ea typeface="Cascadia Code" panose="020B0609020000020004" pitchFamily="49" charset="0"/>
-                <a:cs typeface="Cascadia Code" panose="020B0609020000020004" pitchFamily="49" charset="0"/>
-              </a:rPr>
-              <a:t>Easter Eggs</a:t>
-            </a:r>
-            <a:r>
-              <a:rPr lang="ru-RU" i="1" dirty="0">
-                <a:latin typeface="Cascadia Code" panose="020B0609020000020004" pitchFamily="49" charset="0"/>
-                <a:ea typeface="Cascadia Code" panose="020B0609020000020004" pitchFamily="49" charset="0"/>
-                <a:cs typeface="Cascadia Code" panose="020B0609020000020004" pitchFamily="49" charset="0"/>
-              </a:rPr>
-              <a:t>)</a:t>
-            </a:r>
-          </a:p>
-        </p:txBody>
-      </p:sp>
-    </p:spTree>
-    <p:extLst>
-      <p:ext uri="{BB962C8B-B14F-4D97-AF65-F5344CB8AC3E}">
-        <p14:creationId xmlns:p14="http://schemas.microsoft.com/office/powerpoint/2010/main" val="2695161253"/>
-      </p:ext>
-    </p:extLst>
-  </p:cSld>
-  <p:clrMapOvr>
-    <a:masterClrMapping/>
-  </p:clrMapOvr>
-</p:sld>
-</file>
-
-<file path=ppt/slides/slide12.xml><?xml version="1.0" encoding="utf-8"?>
-<p:sld xmlns:a="http://schemas.openxmlformats.org/drawingml/2006/main" xmlns:r="http://schemas.openxmlformats.org/officeDocument/2006/relationships" xmlns:p="http://schemas.openxmlformats.org/presentationml/2006/main">
-  <p:cSld>
-    <p:spTree>
-      <p:nvGrpSpPr>
-        <p:cNvPr id="1" name=""/>
-        <p:cNvGrpSpPr/>
-        <p:nvPr/>
-      </p:nvGrpSpPr>
-      <p:grpSpPr>
-        <a:xfrm>
-          <a:off x="0" y="0"/>
-          <a:ext cx="0" cy="0"/>
-          <a:chOff x="0" y="0"/>
-          <a:chExt cx="0" cy="0"/>
-        </a:xfrm>
-      </p:grpSpPr>
-      <p:sp>
-        <p:nvSpPr>
-          <p:cNvPr id="2" name="Title 1">
-            <a:extLst>
-              <a:ext uri="{FF2B5EF4-FFF2-40B4-BE49-F238E27FC236}">
                 <a16:creationId xmlns:a16="http://schemas.microsoft.com/office/drawing/2014/main" id="{FE726AE8-75A7-4AC4-A058-B725AB1653AD}"/>
               </a:ext>
             </a:extLst>
@@ -4274,7 +3851,7 @@
 </p:sld>
 </file>
 
-<file path=ppt/slides/slide13.xml><?xml version="1.0" encoding="utf-8"?>
+<file path=ppt/slides/slide12.xml><?xml version="1.0" encoding="utf-8"?>
 <p:sld xmlns:a="http://schemas.openxmlformats.org/drawingml/2006/main" xmlns:r="http://schemas.openxmlformats.org/officeDocument/2006/relationships" xmlns:p="http://schemas.openxmlformats.org/presentationml/2006/main">
   <p:cSld>
     <p:bg>
@@ -4370,6 +3947,68 @@
     <p:extLst>
       <p:ext uri="{BB962C8B-B14F-4D97-AF65-F5344CB8AC3E}">
         <p14:creationId xmlns:p14="http://schemas.microsoft.com/office/powerpoint/2010/main" val="1035753200"/>
+      </p:ext>
+    </p:extLst>
+  </p:cSld>
+  <p:clrMapOvr>
+    <a:masterClrMapping/>
+  </p:clrMapOvr>
+</p:sld>
+</file>
+
+<file path=ppt/slides/slide13.xml><?xml version="1.0" encoding="utf-8"?>
+<p:sld xmlns:a="http://schemas.openxmlformats.org/drawingml/2006/main" xmlns:r="http://schemas.openxmlformats.org/officeDocument/2006/relationships" xmlns:p="http://schemas.openxmlformats.org/presentationml/2006/main">
+  <p:cSld>
+    <p:spTree>
+      <p:nvGrpSpPr>
+        <p:cNvPr id="1" name=""/>
+        <p:cNvGrpSpPr/>
+        <p:nvPr/>
+      </p:nvGrpSpPr>
+      <p:grpSpPr>
+        <a:xfrm>
+          <a:off x="0" y="0"/>
+          <a:ext cx="0" cy="0"/>
+          <a:chOff x="0" y="0"/>
+          <a:chExt cx="0" cy="0"/>
+        </a:xfrm>
+      </p:grpSpPr>
+      <p:sp>
+        <p:nvSpPr>
+          <p:cNvPr id="2" name="Title 1">
+            <a:extLst>
+              <a:ext uri="{FF2B5EF4-FFF2-40B4-BE49-F238E27FC236}">
+                <a16:creationId xmlns:a16="http://schemas.microsoft.com/office/drawing/2014/main" id="{39F86395-8C9B-4509-A43B-DE55EF012F12}"/>
+              </a:ext>
+            </a:extLst>
+          </p:cNvPr>
+          <p:cNvSpPr>
+            <a:spLocks noGrp="1"/>
+          </p:cNvSpPr>
+          <p:nvPr>
+            <p:ph type="ctrTitle"/>
+          </p:nvPr>
+        </p:nvSpPr>
+        <p:spPr/>
+        <p:txBody>
+          <a:bodyPr/>
+          <a:lstStyle/>
+          <a:p>
+            <a:r>
+              <a:rPr lang="ru-RU" dirty="0">
+                <a:latin typeface="Cascadia Code" panose="020B0609020000020004" pitchFamily="49" charset="0"/>
+                <a:ea typeface="Cascadia Code" panose="020B0609020000020004" pitchFamily="49" charset="0"/>
+                <a:cs typeface="Cascadia Code" panose="020B0609020000020004" pitchFamily="49" charset="0"/>
+              </a:rPr>
+              <a:t>Вывод</a:t>
+            </a:r>
+          </a:p>
+        </p:txBody>
+      </p:sp>
+    </p:spTree>
+    <p:extLst>
+      <p:ext uri="{BB962C8B-B14F-4D97-AF65-F5344CB8AC3E}">
+        <p14:creationId xmlns:p14="http://schemas.microsoft.com/office/powerpoint/2010/main" val="1084256866"/>
       </p:ext>
     </p:extLst>
   </p:cSld>
@@ -4401,15 +4040,15 @@
           <p:cNvPr id="2" name="Title 1">
             <a:extLst>
               <a:ext uri="{FF2B5EF4-FFF2-40B4-BE49-F238E27FC236}">
-                <a16:creationId xmlns:a16="http://schemas.microsoft.com/office/drawing/2014/main" id="{39F86395-8C9B-4509-A43B-DE55EF012F12}"/>
-              </a:ext>
-            </a:extLst>
-          </p:cNvPr>
-          <p:cNvSpPr>
-            <a:spLocks noGrp="1"/>
-          </p:cNvSpPr>
-          <p:nvPr>
-            <p:ph type="ctrTitle"/>
+                <a16:creationId xmlns:a16="http://schemas.microsoft.com/office/drawing/2014/main" id="{6EFB7104-2979-46A1-BB16-FF8C0E34F75B}"/>
+              </a:ext>
+            </a:extLst>
+          </p:cNvPr>
+          <p:cNvSpPr>
+            <a:spLocks noGrp="1"/>
+          </p:cNvSpPr>
+          <p:nvPr>
+            <p:ph type="title"/>
           </p:nvPr>
         </p:nvSpPr>
         <p:spPr/>
@@ -4423,58 +4062,33 @@
                 <a:ea typeface="Cascadia Code" panose="020B0609020000020004" pitchFamily="49" charset="0"/>
                 <a:cs typeface="Cascadia Code" panose="020B0609020000020004" pitchFamily="49" charset="0"/>
               </a:rPr>
-              <a:t>Вывод</a:t>
-            </a:r>
-          </a:p>
-        </p:txBody>
-      </p:sp>
-    </p:spTree>
-    <p:extLst>
-      <p:ext uri="{BB962C8B-B14F-4D97-AF65-F5344CB8AC3E}">
-        <p14:creationId xmlns:p14="http://schemas.microsoft.com/office/powerpoint/2010/main" val="1084256866"/>
-      </p:ext>
-    </p:extLst>
-  </p:cSld>
-  <p:clrMapOvr>
-    <a:masterClrMapping/>
-  </p:clrMapOvr>
-</p:sld>
-</file>
-
-<file path=ppt/slides/slide15.xml><?xml version="1.0" encoding="utf-8"?>
-<p:sld xmlns:a="http://schemas.openxmlformats.org/drawingml/2006/main" xmlns:r="http://schemas.openxmlformats.org/officeDocument/2006/relationships" xmlns:p="http://schemas.openxmlformats.org/presentationml/2006/main">
-  <p:cSld>
-    <p:spTree>
-      <p:nvGrpSpPr>
-        <p:cNvPr id="1" name=""/>
-        <p:cNvGrpSpPr/>
-        <p:nvPr/>
-      </p:nvGrpSpPr>
-      <p:grpSpPr>
-        <a:xfrm>
-          <a:off x="0" y="0"/>
-          <a:ext cx="0" cy="0"/>
-          <a:chOff x="0" y="0"/>
-          <a:chExt cx="0" cy="0"/>
-        </a:xfrm>
-      </p:grpSpPr>
-      <p:sp>
-        <p:nvSpPr>
-          <p:cNvPr id="2" name="Title 1">
-            <a:extLst>
-              <a:ext uri="{FF2B5EF4-FFF2-40B4-BE49-F238E27FC236}">
-                <a16:creationId xmlns:a16="http://schemas.microsoft.com/office/drawing/2014/main" id="{6EFB7104-2979-46A1-BB16-FF8C0E34F75B}"/>
-              </a:ext>
-            </a:extLst>
-          </p:cNvPr>
-          <p:cNvSpPr>
-            <a:spLocks noGrp="1"/>
-          </p:cNvSpPr>
-          <p:nvPr>
-            <p:ph type="title"/>
-          </p:nvPr>
-        </p:nvSpPr>
-        <p:spPr/>
+              <a:t>Доработка и развитее</a:t>
+            </a:r>
+          </a:p>
+        </p:txBody>
+      </p:sp>
+      <p:sp>
+        <p:nvSpPr>
+          <p:cNvPr id="3" name="Content Placeholder 2">
+            <a:extLst>
+              <a:ext uri="{FF2B5EF4-FFF2-40B4-BE49-F238E27FC236}">
+                <a16:creationId xmlns:a16="http://schemas.microsoft.com/office/drawing/2014/main" id="{BA16DC1F-6225-4D49-8727-36B75E3782B3}"/>
+              </a:ext>
+            </a:extLst>
+          </p:cNvPr>
+          <p:cNvSpPr>
+            <a:spLocks noGrp="1"/>
+          </p:cNvSpPr>
+          <p:nvPr>
+            <p:ph idx="1"/>
+          </p:nvPr>
+        </p:nvSpPr>
+        <p:spPr>
+          <a:xfrm>
+            <a:off x="838200" y="1825625"/>
+            <a:ext cx="10646328" cy="4351338"/>
+          </a:xfrm>
+        </p:spPr>
         <p:txBody>
           <a:bodyPr/>
           <a:lstStyle/>
@@ -4485,39 +4099,7 @@
                 <a:ea typeface="Cascadia Code" panose="020B0609020000020004" pitchFamily="49" charset="0"/>
                 <a:cs typeface="Cascadia Code" panose="020B0609020000020004" pitchFamily="49" charset="0"/>
               </a:rPr>
-              <a:t>Доработка и развитее</a:t>
-            </a:r>
-          </a:p>
-        </p:txBody>
-      </p:sp>
-      <p:sp>
-        <p:nvSpPr>
-          <p:cNvPr id="3" name="Content Placeholder 2">
-            <a:extLst>
-              <a:ext uri="{FF2B5EF4-FFF2-40B4-BE49-F238E27FC236}">
-                <a16:creationId xmlns:a16="http://schemas.microsoft.com/office/drawing/2014/main" id="{BA16DC1F-6225-4D49-8727-36B75E3782B3}"/>
-              </a:ext>
-            </a:extLst>
-          </p:cNvPr>
-          <p:cNvSpPr>
-            <a:spLocks noGrp="1"/>
-          </p:cNvSpPr>
-          <p:nvPr>
-            <p:ph idx="1"/>
-          </p:nvPr>
-        </p:nvSpPr>
-        <p:spPr/>
-        <p:txBody>
-          <a:bodyPr/>
-          <a:lstStyle/>
-          <a:p>
-            <a:r>
-              <a:rPr lang="ru-RU" dirty="0">
-                <a:latin typeface="Cascadia Code" panose="020B0609020000020004" pitchFamily="49" charset="0"/>
-                <a:ea typeface="Cascadia Code" panose="020B0609020000020004" pitchFamily="49" charset="0"/>
-                <a:cs typeface="Cascadia Code" panose="020B0609020000020004" pitchFamily="49" charset="0"/>
-              </a:rPr>
-              <a:t>Добавить новые алгоритмы шифрования</a:t>
+              <a:t>Добавить новые алгоритмы шифрования и кодирования</a:t>
             </a:r>
           </a:p>
           <a:p>
@@ -4587,7 +4169,7 @@
 </p:sld>
 </file>
 
-<file path=ppt/slides/slide16.xml><?xml version="1.0" encoding="utf-8"?>
+<file path=ppt/slides/slide15.xml><?xml version="1.0" encoding="utf-8"?>
 <p:sld xmlns:a="http://schemas.openxmlformats.org/drawingml/2006/main" xmlns:r="http://schemas.openxmlformats.org/officeDocument/2006/relationships" xmlns:p="http://schemas.openxmlformats.org/presentationml/2006/main">
   <p:cSld>
     <p:bg>
@@ -4993,163 +4575,6 @@
           <p:cNvPr id="2" name="Title 1">
             <a:extLst>
               <a:ext uri="{FF2B5EF4-FFF2-40B4-BE49-F238E27FC236}">
-                <a16:creationId xmlns:a16="http://schemas.microsoft.com/office/drawing/2014/main" id="{C60C17BA-1C60-42A5-8599-C920AB43ABF1}"/>
-              </a:ext>
-            </a:extLst>
-          </p:cNvPr>
-          <p:cNvSpPr>
-            <a:spLocks noGrp="1"/>
-          </p:cNvSpPr>
-          <p:nvPr>
-            <p:ph type="title"/>
-          </p:nvPr>
-        </p:nvSpPr>
-        <p:spPr>
-          <a:xfrm>
-            <a:off x="82421" y="0"/>
-            <a:ext cx="10515600" cy="1325563"/>
-          </a:xfrm>
-        </p:spPr>
-        <p:txBody>
-          <a:bodyPr/>
-          <a:lstStyle/>
-          <a:p>
-            <a:r>
-              <a:rPr lang="ru-RU" dirty="0">
-                <a:latin typeface="Cascadia Code" panose="020B0609020000020004" pitchFamily="49" charset="0"/>
-                <a:ea typeface="Cascadia Code" panose="020B0609020000020004" pitchFamily="49" charset="0"/>
-                <a:cs typeface="Cascadia Code" panose="020B0609020000020004" pitchFamily="49" charset="0"/>
-              </a:rPr>
-              <a:t>Скриншоты</a:t>
-            </a:r>
-          </a:p>
-        </p:txBody>
-      </p:sp>
-      <p:pic>
-        <p:nvPicPr>
-          <p:cNvPr id="7" name="Picture 6">
-            <a:extLst>
-              <a:ext uri="{FF2B5EF4-FFF2-40B4-BE49-F238E27FC236}">
-                <a16:creationId xmlns:a16="http://schemas.microsoft.com/office/drawing/2014/main" id="{5E605B0E-BD4D-49CA-96D4-4672396964A0}"/>
-              </a:ext>
-            </a:extLst>
-          </p:cNvPr>
-          <p:cNvPicPr>
-            <a:picLocks noChangeAspect="1"/>
-          </p:cNvPicPr>
-          <p:nvPr/>
-        </p:nvPicPr>
-        <p:blipFill>
-          <a:blip r:embed="rId2"/>
-          <a:stretch>
-            <a:fillRect/>
-          </a:stretch>
-        </p:blipFill>
-        <p:spPr>
-          <a:xfrm>
-            <a:off x="9461540" y="134030"/>
-            <a:ext cx="2474743" cy="4764541"/>
-          </a:xfrm>
-          <a:prstGeom prst="rect">
-            <a:avLst/>
-          </a:prstGeom>
-        </p:spPr>
-      </p:pic>
-      <p:pic>
-        <p:nvPicPr>
-          <p:cNvPr id="9" name="Picture 8">
-            <a:extLst>
-              <a:ext uri="{FF2B5EF4-FFF2-40B4-BE49-F238E27FC236}">
-                <a16:creationId xmlns:a16="http://schemas.microsoft.com/office/drawing/2014/main" id="{E42BDA95-98D8-4BDC-98D8-963A8519AFEC}"/>
-              </a:ext>
-            </a:extLst>
-          </p:cNvPr>
-          <p:cNvPicPr>
-            <a:picLocks noChangeAspect="1"/>
-          </p:cNvPicPr>
-          <p:nvPr/>
-        </p:nvPicPr>
-        <p:blipFill>
-          <a:blip r:embed="rId3"/>
-          <a:stretch>
-            <a:fillRect/>
-          </a:stretch>
-        </p:blipFill>
-        <p:spPr>
-          <a:xfrm>
-            <a:off x="426875" y="1828800"/>
-            <a:ext cx="2362200" cy="3200400"/>
-          </a:xfrm>
-          <a:prstGeom prst="rect">
-            <a:avLst/>
-          </a:prstGeom>
-        </p:spPr>
-      </p:pic>
-      <p:pic>
-        <p:nvPicPr>
-          <p:cNvPr id="11" name="Picture 10">
-            <a:extLst>
-              <a:ext uri="{FF2B5EF4-FFF2-40B4-BE49-F238E27FC236}">
-                <a16:creationId xmlns:a16="http://schemas.microsoft.com/office/drawing/2014/main" id="{889D6CB2-5AB6-4299-8CE5-5B13FEBD5120}"/>
-              </a:ext>
-            </a:extLst>
-          </p:cNvPr>
-          <p:cNvPicPr>
-            <a:picLocks noChangeAspect="1"/>
-          </p:cNvPicPr>
-          <p:nvPr/>
-        </p:nvPicPr>
-        <p:blipFill>
-          <a:blip r:embed="rId4"/>
-          <a:stretch>
-            <a:fillRect/>
-          </a:stretch>
-        </p:blipFill>
-        <p:spPr>
-          <a:xfrm>
-            <a:off x="3486530" y="1458317"/>
-            <a:ext cx="5496897" cy="4915170"/>
-          </a:xfrm>
-          <a:prstGeom prst="rect">
-            <a:avLst/>
-          </a:prstGeom>
-        </p:spPr>
-      </p:pic>
-    </p:spTree>
-    <p:extLst>
-      <p:ext uri="{BB962C8B-B14F-4D97-AF65-F5344CB8AC3E}">
-        <p14:creationId xmlns:p14="http://schemas.microsoft.com/office/powerpoint/2010/main" val="2054703052"/>
-      </p:ext>
-    </p:extLst>
-  </p:cSld>
-  <p:clrMapOvr>
-    <a:masterClrMapping/>
-  </p:clrMapOvr>
-</p:sld>
-</file>
-
-<file path=ppt/slides/slide6.xml><?xml version="1.0" encoding="utf-8"?>
-<p:sld xmlns:a="http://schemas.openxmlformats.org/drawingml/2006/main" xmlns:r="http://schemas.openxmlformats.org/officeDocument/2006/relationships" xmlns:p="http://schemas.openxmlformats.org/presentationml/2006/main">
-  <p:cSld>
-    <p:spTree>
-      <p:nvGrpSpPr>
-        <p:cNvPr id="1" name=""/>
-        <p:cNvGrpSpPr/>
-        <p:nvPr/>
-      </p:nvGrpSpPr>
-      <p:grpSpPr>
-        <a:xfrm>
-          <a:off x="0" y="0"/>
-          <a:ext cx="0" cy="0"/>
-          <a:chOff x="0" y="0"/>
-          <a:chExt cx="0" cy="0"/>
-        </a:xfrm>
-      </p:grpSpPr>
-      <p:sp>
-        <p:nvSpPr>
-          <p:cNvPr id="2" name="Title 1">
-            <a:extLst>
-              <a:ext uri="{FF2B5EF4-FFF2-40B4-BE49-F238E27FC236}">
                 <a16:creationId xmlns:a16="http://schemas.microsoft.com/office/drawing/2014/main" id="{C462764D-9140-44A6-AF13-33D2AEA3AAC7}"/>
               </a:ext>
             </a:extLst>
@@ -5214,7 +4639,7 @@
               <a:t>Кодирование: </a:t>
             </a:r>
             <a:r>
-              <a:rPr lang="en-US" dirty="0">
+              <a:rPr lang="en-US" i="1" dirty="0">
                 <a:latin typeface="Cascadia Code" panose="020B0609020000020004" pitchFamily="49" charset="0"/>
                 <a:ea typeface="Cascadia Code" panose="020B0609020000020004" pitchFamily="49" charset="0"/>
                 <a:cs typeface="Cascadia Code" panose="020B0609020000020004" pitchFamily="49" charset="0"/>
@@ -5232,7 +4657,7 @@
               <a:t>Хэширование: </a:t>
             </a:r>
             <a:r>
-              <a:rPr lang="en-US" dirty="0">
+              <a:rPr lang="en-US" i="1" dirty="0">
                 <a:latin typeface="Cascadia Code" panose="020B0609020000020004" pitchFamily="49" charset="0"/>
                 <a:ea typeface="Cascadia Code" panose="020B0609020000020004" pitchFamily="49" charset="0"/>
                 <a:cs typeface="Cascadia Code" panose="020B0609020000020004" pitchFamily="49" charset="0"/>
@@ -5250,14 +4675,14 @@
               <a:t>Симметричное шифрование: </a:t>
             </a:r>
             <a:r>
-              <a:rPr lang="en-US" dirty="0">
+              <a:rPr lang="en-US" i="1" dirty="0">
                 <a:latin typeface="Cascadia Code" panose="020B0609020000020004" pitchFamily="49" charset="0"/>
                 <a:ea typeface="Cascadia Code" panose="020B0609020000020004" pitchFamily="49" charset="0"/>
                 <a:cs typeface="Cascadia Code" panose="020B0609020000020004" pitchFamily="49" charset="0"/>
               </a:rPr>
               <a:t>AES, DES, 3DES, RC4</a:t>
             </a:r>
-            <a:endParaRPr lang="ru-RU" dirty="0">
+            <a:endParaRPr lang="ru-RU" i="1" dirty="0">
               <a:latin typeface="Cascadia Code" panose="020B0609020000020004" pitchFamily="49" charset="0"/>
               <a:ea typeface="Cascadia Code" panose="020B0609020000020004" pitchFamily="49" charset="0"/>
               <a:cs typeface="Cascadia Code" panose="020B0609020000020004" pitchFamily="49" charset="0"/>
@@ -5273,14 +4698,14 @@
               <a:t>Асимметричное шифрование: </a:t>
             </a:r>
             <a:r>
-              <a:rPr lang="en-US" dirty="0">
+              <a:rPr lang="en-US" i="1" dirty="0">
                 <a:latin typeface="Cascadia Code" panose="020B0609020000020004" pitchFamily="49" charset="0"/>
                 <a:ea typeface="Cascadia Code" panose="020B0609020000020004" pitchFamily="49" charset="0"/>
                 <a:cs typeface="Cascadia Code" panose="020B0609020000020004" pitchFamily="49" charset="0"/>
               </a:rPr>
               <a:t>OpenPGP (RSA, DSA, EDDSA)</a:t>
             </a:r>
-            <a:endParaRPr lang="ru-RU" dirty="0">
+            <a:endParaRPr lang="ru-RU" i="1" dirty="0">
               <a:latin typeface="Cascadia Code" panose="020B0609020000020004" pitchFamily="49" charset="0"/>
               <a:ea typeface="Cascadia Code" panose="020B0609020000020004" pitchFamily="49" charset="0"/>
               <a:cs typeface="Cascadia Code" panose="020B0609020000020004" pitchFamily="49" charset="0"/>
@@ -5363,7 +4788,7 @@
 </p:sld>
 </file>
 
-<file path=ppt/slides/slide7.xml><?xml version="1.0" encoding="utf-8"?>
+<file path=ppt/slides/slide6.xml><?xml version="1.0" encoding="utf-8"?>
 <p:sld xmlns:a="http://schemas.openxmlformats.org/drawingml/2006/main" xmlns:r="http://schemas.openxmlformats.org/officeDocument/2006/relationships" xmlns:p="http://schemas.openxmlformats.org/presentationml/2006/main">
   <p:cSld>
     <p:bg>
@@ -5468,7 +4893,7 @@
 </p:sld>
 </file>
 
-<file path=ppt/slides/slide8.xml><?xml version="1.0" encoding="utf-8"?>
+<file path=ppt/slides/slide7.xml><?xml version="1.0" encoding="utf-8"?>
 <p:sld xmlns:a="http://schemas.openxmlformats.org/drawingml/2006/main" xmlns:r="http://schemas.openxmlformats.org/officeDocument/2006/relationships" xmlns:p="http://schemas.openxmlformats.org/presentationml/2006/main">
   <p:cSld>
     <p:spTree>
@@ -6035,7 +5460,7 @@
 </p:sld>
 </file>
 
-<file path=ppt/slides/slide9.xml><?xml version="1.0" encoding="utf-8"?>
+<file path=ppt/slides/slide8.xml><?xml version="1.0" encoding="utf-8"?>
 <p:sld xmlns:a="http://schemas.openxmlformats.org/drawingml/2006/main" xmlns:r="http://schemas.openxmlformats.org/officeDocument/2006/relationships" xmlns:p="http://schemas.openxmlformats.org/presentationml/2006/main">
   <p:cSld>
     <p:spTree>
@@ -6577,6 +6002,428 @@
 </p:sld>
 </file>
 
+<file path=ppt/slides/slide9.xml><?xml version="1.0" encoding="utf-8"?>
+<p:sld xmlns:a="http://schemas.openxmlformats.org/drawingml/2006/main" xmlns:r="http://schemas.openxmlformats.org/officeDocument/2006/relationships" xmlns:p="http://schemas.openxmlformats.org/presentationml/2006/main">
+  <p:cSld>
+    <p:spTree>
+      <p:nvGrpSpPr>
+        <p:cNvPr id="1" name=""/>
+        <p:cNvGrpSpPr/>
+        <p:nvPr/>
+      </p:nvGrpSpPr>
+      <p:grpSpPr>
+        <a:xfrm>
+          <a:off x="0" y="0"/>
+          <a:ext cx="0" cy="0"/>
+          <a:chOff x="0" y="0"/>
+          <a:chExt cx="0" cy="0"/>
+        </a:xfrm>
+      </p:grpSpPr>
+      <p:sp>
+        <p:nvSpPr>
+          <p:cNvPr id="2" name="Title 1">
+            <a:extLst>
+              <a:ext uri="{FF2B5EF4-FFF2-40B4-BE49-F238E27FC236}">
+                <a16:creationId xmlns:a16="http://schemas.microsoft.com/office/drawing/2014/main" id="{8B17D6A4-CB0D-4832-823C-1E1D191A262E}"/>
+              </a:ext>
+            </a:extLst>
+          </p:cNvPr>
+          <p:cNvSpPr>
+            <a:spLocks noGrp="1"/>
+          </p:cNvSpPr>
+          <p:nvPr>
+            <p:ph type="title"/>
+          </p:nvPr>
+        </p:nvSpPr>
+        <p:spPr/>
+        <p:txBody>
+          <a:bodyPr/>
+          <a:lstStyle/>
+          <a:p>
+            <a:r>
+              <a:rPr lang="ru-RU" dirty="0">
+                <a:latin typeface="Cascadia Code" panose="020B0609020000020004" pitchFamily="49" charset="0"/>
+                <a:ea typeface="Cascadia Code" panose="020B0609020000020004" pitchFamily="49" charset="0"/>
+                <a:cs typeface="Cascadia Code" panose="020B0609020000020004" pitchFamily="49" charset="0"/>
+              </a:rPr>
+              <a:t>Используемые библиотеки</a:t>
+            </a:r>
+          </a:p>
+        </p:txBody>
+      </p:sp>
+      <p:sp>
+        <p:nvSpPr>
+          <p:cNvPr id="3" name="Content Placeholder 2">
+            <a:extLst>
+              <a:ext uri="{FF2B5EF4-FFF2-40B4-BE49-F238E27FC236}">
+                <a16:creationId xmlns:a16="http://schemas.microsoft.com/office/drawing/2014/main" id="{C925D752-A869-4349-A6BC-6DB75CC8FAB6}"/>
+              </a:ext>
+            </a:extLst>
+          </p:cNvPr>
+          <p:cNvSpPr>
+            <a:spLocks noGrp="1"/>
+          </p:cNvSpPr>
+          <p:nvPr>
+            <p:ph idx="1"/>
+          </p:nvPr>
+        </p:nvSpPr>
+        <p:spPr>
+          <a:xfrm>
+            <a:off x="838200" y="1825625"/>
+            <a:ext cx="10515600" cy="4463208"/>
+          </a:xfrm>
+        </p:spPr>
+        <p:txBody>
+          <a:bodyPr/>
+          <a:lstStyle/>
+          <a:p>
+            <a:r>
+              <a:rPr lang="en-US" dirty="0">
+                <a:latin typeface="Cascadia Code" panose="020B0609020000020004" pitchFamily="49" charset="0"/>
+                <a:ea typeface="Cascadia Code" panose="020B0609020000020004" pitchFamily="49" charset="0"/>
+                <a:cs typeface="Cascadia Code" panose="020B0609020000020004" pitchFamily="49" charset="0"/>
+              </a:rPr>
+              <a:t>PyQt5, </a:t>
+            </a:r>
+            <a:r>
+              <a:rPr lang="en-US" dirty="0" err="1">
+                <a:latin typeface="Cascadia Code" panose="020B0609020000020004" pitchFamily="49" charset="0"/>
+                <a:ea typeface="Cascadia Code" panose="020B0609020000020004" pitchFamily="49" charset="0"/>
+                <a:cs typeface="Cascadia Code" panose="020B0609020000020004" pitchFamily="49" charset="0"/>
+              </a:rPr>
+              <a:t>sqlite</a:t>
+            </a:r>
+            <a:r>
+              <a:rPr lang="en-US" dirty="0">
+                <a:latin typeface="Cascadia Code" panose="020B0609020000020004" pitchFamily="49" charset="0"/>
+                <a:ea typeface="Cascadia Code" panose="020B0609020000020004" pitchFamily="49" charset="0"/>
+                <a:cs typeface="Cascadia Code" panose="020B0609020000020004" pitchFamily="49" charset="0"/>
+              </a:rPr>
+              <a:t>, datetime</a:t>
+            </a:r>
+          </a:p>
+          <a:p>
+            <a:pPr marL="0" indent="0">
+              <a:buNone/>
+            </a:pPr>
+            <a:endParaRPr lang="en-US" dirty="0">
+              <a:latin typeface="Cascadia Code" panose="020B0609020000020004" pitchFamily="49" charset="0"/>
+              <a:ea typeface="Cascadia Code" panose="020B0609020000020004" pitchFamily="49" charset="0"/>
+              <a:cs typeface="Cascadia Code" panose="020B0609020000020004" pitchFamily="49" charset="0"/>
+            </a:endParaRPr>
+          </a:p>
+          <a:p>
+            <a:pPr marL="0" indent="0">
+              <a:buNone/>
+            </a:pPr>
+            <a:r>
+              <a:rPr lang="ru-RU" dirty="0">
+                <a:latin typeface="Cascadia Code" panose="020B0609020000020004" pitchFamily="49" charset="0"/>
+                <a:ea typeface="Cascadia Code" panose="020B0609020000020004" pitchFamily="49" charset="0"/>
+                <a:cs typeface="Cascadia Code" panose="020B0609020000020004" pitchFamily="49" charset="0"/>
+              </a:rPr>
+              <a:t>Библиотеки изученные самостоятельно</a:t>
+            </a:r>
+            <a:r>
+              <a:rPr lang="en-US" dirty="0">
+                <a:latin typeface="Cascadia Code" panose="020B0609020000020004" pitchFamily="49" charset="0"/>
+                <a:ea typeface="Cascadia Code" panose="020B0609020000020004" pitchFamily="49" charset="0"/>
+                <a:cs typeface="Cascadia Code" panose="020B0609020000020004" pitchFamily="49" charset="0"/>
+              </a:rPr>
+              <a:t>:</a:t>
+            </a:r>
+          </a:p>
+          <a:p>
+            <a:pPr lvl="1"/>
+            <a:r>
+              <a:rPr lang="en-US" dirty="0">
+                <a:latin typeface="Cascadia Code" panose="020B0609020000020004" pitchFamily="49" charset="0"/>
+                <a:ea typeface="Cascadia Code" panose="020B0609020000020004" pitchFamily="49" charset="0"/>
+                <a:cs typeface="Cascadia Code" panose="020B0609020000020004" pitchFamily="49" charset="0"/>
+              </a:rPr>
+              <a:t>python-</a:t>
+            </a:r>
+            <a:r>
+              <a:rPr lang="en-US" dirty="0" err="1">
+                <a:latin typeface="Cascadia Code" panose="020B0609020000020004" pitchFamily="49" charset="0"/>
+                <a:ea typeface="Cascadia Code" panose="020B0609020000020004" pitchFamily="49" charset="0"/>
+                <a:cs typeface="Cascadia Code" panose="020B0609020000020004" pitchFamily="49" charset="0"/>
+              </a:rPr>
+              <a:t>gnupg</a:t>
+            </a:r>
+            <a:r>
+              <a:rPr lang="en-US" dirty="0">
+                <a:latin typeface="Cascadia Code" panose="020B0609020000020004" pitchFamily="49" charset="0"/>
+                <a:ea typeface="Cascadia Code" panose="020B0609020000020004" pitchFamily="49" charset="0"/>
+                <a:cs typeface="Cascadia Code" panose="020B0609020000020004" pitchFamily="49" charset="0"/>
+              </a:rPr>
+              <a:t> </a:t>
+            </a:r>
+            <a:r>
+              <a:rPr lang="en-US" i="1" dirty="0">
+                <a:latin typeface="Cascadia Code" panose="020B0609020000020004" pitchFamily="49" charset="0"/>
+                <a:ea typeface="Cascadia Code" panose="020B0609020000020004" pitchFamily="49" charset="0"/>
+                <a:cs typeface="Cascadia Code" panose="020B0609020000020004" pitchFamily="49" charset="0"/>
+              </a:rPr>
+              <a:t>(</a:t>
+            </a:r>
+            <a:r>
+              <a:rPr lang="ru-RU" i="1" dirty="0">
+                <a:latin typeface="Cascadia Code" panose="020B0609020000020004" pitchFamily="49" charset="0"/>
+                <a:ea typeface="Cascadia Code" panose="020B0609020000020004" pitchFamily="49" charset="0"/>
+                <a:cs typeface="Cascadia Code" panose="020B0609020000020004" pitchFamily="49" charset="0"/>
+              </a:rPr>
+              <a:t>взаимодействие с утилитой </a:t>
+            </a:r>
+            <a:r>
+              <a:rPr lang="en-US" i="1" dirty="0">
+                <a:latin typeface="Cascadia Code" panose="020B0609020000020004" pitchFamily="49" charset="0"/>
+                <a:ea typeface="Cascadia Code" panose="020B0609020000020004" pitchFamily="49" charset="0"/>
+                <a:cs typeface="Cascadia Code" panose="020B0609020000020004" pitchFamily="49" charset="0"/>
+              </a:rPr>
+              <a:t>GPG)</a:t>
+            </a:r>
+          </a:p>
+          <a:p>
+            <a:pPr lvl="1"/>
+            <a:r>
+              <a:rPr lang="en-US" dirty="0" err="1">
+                <a:latin typeface="Cascadia Code" panose="020B0609020000020004" pitchFamily="49" charset="0"/>
+                <a:ea typeface="Cascadia Code" panose="020B0609020000020004" pitchFamily="49" charset="0"/>
+                <a:cs typeface="Cascadia Code" panose="020B0609020000020004" pitchFamily="49" charset="0"/>
+              </a:rPr>
+              <a:t>PyCryptodome</a:t>
+            </a:r>
+            <a:r>
+              <a:rPr lang="ru-RU" dirty="0">
+                <a:latin typeface="Cascadia Code" panose="020B0609020000020004" pitchFamily="49" charset="0"/>
+                <a:ea typeface="Cascadia Code" panose="020B0609020000020004" pitchFamily="49" charset="0"/>
+                <a:cs typeface="Cascadia Code" panose="020B0609020000020004" pitchFamily="49" charset="0"/>
+              </a:rPr>
+              <a:t> </a:t>
+            </a:r>
+            <a:r>
+              <a:rPr lang="ru-RU" i="1" dirty="0">
+                <a:latin typeface="Cascadia Code" panose="020B0609020000020004" pitchFamily="49" charset="0"/>
+                <a:ea typeface="Cascadia Code" panose="020B0609020000020004" pitchFamily="49" charset="0"/>
+                <a:cs typeface="Cascadia Code" panose="020B0609020000020004" pitchFamily="49" charset="0"/>
+              </a:rPr>
+              <a:t>(</a:t>
+            </a:r>
+            <a:r>
+              <a:rPr lang="ru-RU" i="1" dirty="0" err="1">
+                <a:latin typeface="Cascadia Code" panose="020B0609020000020004" pitchFamily="49" charset="0"/>
+                <a:ea typeface="Cascadia Code" panose="020B0609020000020004" pitchFamily="49" charset="0"/>
+                <a:cs typeface="Cascadia Code" panose="020B0609020000020004" pitchFamily="49" charset="0"/>
+              </a:rPr>
+              <a:t>симметричнное</a:t>
+            </a:r>
+            <a:r>
+              <a:rPr lang="ru-RU" i="1" dirty="0">
+                <a:latin typeface="Cascadia Code" panose="020B0609020000020004" pitchFamily="49" charset="0"/>
+                <a:ea typeface="Cascadia Code" panose="020B0609020000020004" pitchFamily="49" charset="0"/>
+                <a:cs typeface="Cascadia Code" panose="020B0609020000020004" pitchFamily="49" charset="0"/>
+              </a:rPr>
+              <a:t> шифрование)</a:t>
+            </a:r>
+          </a:p>
+          <a:p>
+            <a:pPr lvl="1"/>
+            <a:r>
+              <a:rPr lang="en-US" dirty="0" err="1">
+                <a:latin typeface="Cascadia Code" panose="020B0609020000020004" pitchFamily="49" charset="0"/>
+                <a:ea typeface="Cascadia Code" panose="020B0609020000020004" pitchFamily="49" charset="0"/>
+                <a:cs typeface="Cascadia Code" panose="020B0609020000020004" pitchFamily="49" charset="0"/>
+              </a:rPr>
+              <a:t>hashlib</a:t>
+            </a:r>
+            <a:r>
+              <a:rPr lang="en-US" dirty="0">
+                <a:latin typeface="Cascadia Code" panose="020B0609020000020004" pitchFamily="49" charset="0"/>
+                <a:ea typeface="Cascadia Code" panose="020B0609020000020004" pitchFamily="49" charset="0"/>
+                <a:cs typeface="Cascadia Code" panose="020B0609020000020004" pitchFamily="49" charset="0"/>
+              </a:rPr>
+              <a:t> </a:t>
+            </a:r>
+            <a:r>
+              <a:rPr lang="ru-RU" i="1" dirty="0">
+                <a:latin typeface="Cascadia Code" panose="020B0609020000020004" pitchFamily="49" charset="0"/>
+                <a:ea typeface="Cascadia Code" panose="020B0609020000020004" pitchFamily="49" charset="0"/>
+                <a:cs typeface="Cascadia Code" panose="020B0609020000020004" pitchFamily="49" charset="0"/>
+              </a:rPr>
+              <a:t>(алгоритмы хэширования)</a:t>
+            </a:r>
+            <a:endParaRPr lang="en-US" i="1" dirty="0">
+              <a:latin typeface="Cascadia Code" panose="020B0609020000020004" pitchFamily="49" charset="0"/>
+              <a:ea typeface="Cascadia Code" panose="020B0609020000020004" pitchFamily="49" charset="0"/>
+              <a:cs typeface="Cascadia Code" panose="020B0609020000020004" pitchFamily="49" charset="0"/>
+            </a:endParaRPr>
+          </a:p>
+          <a:p>
+            <a:pPr lvl="1"/>
+            <a:r>
+              <a:rPr lang="en-US" dirty="0">
+                <a:latin typeface="Cascadia Code" panose="020B0609020000020004" pitchFamily="49" charset="0"/>
+                <a:ea typeface="Cascadia Code" panose="020B0609020000020004" pitchFamily="49" charset="0"/>
+                <a:cs typeface="Cascadia Code" panose="020B0609020000020004" pitchFamily="49" charset="0"/>
+              </a:rPr>
+              <a:t>base64</a:t>
+            </a:r>
+            <a:r>
+              <a:rPr lang="ru-RU" dirty="0">
+                <a:latin typeface="Cascadia Code" panose="020B0609020000020004" pitchFamily="49" charset="0"/>
+                <a:ea typeface="Cascadia Code" panose="020B0609020000020004" pitchFamily="49" charset="0"/>
+                <a:cs typeface="Cascadia Code" panose="020B0609020000020004" pitchFamily="49" charset="0"/>
+              </a:rPr>
+              <a:t> </a:t>
+            </a:r>
+            <a:r>
+              <a:rPr lang="ru-RU" i="1" dirty="0">
+                <a:latin typeface="Cascadia Code" panose="020B0609020000020004" pitchFamily="49" charset="0"/>
+                <a:ea typeface="Cascadia Code" panose="020B0609020000020004" pitchFamily="49" charset="0"/>
+                <a:cs typeface="Cascadia Code" panose="020B0609020000020004" pitchFamily="49" charset="0"/>
+              </a:rPr>
+              <a:t>(кодировка </a:t>
+            </a:r>
+            <a:r>
+              <a:rPr lang="en-US" i="1" dirty="0">
+                <a:latin typeface="Cascadia Code" panose="020B0609020000020004" pitchFamily="49" charset="0"/>
+                <a:ea typeface="Cascadia Code" panose="020B0609020000020004" pitchFamily="49" charset="0"/>
+                <a:cs typeface="Cascadia Code" panose="020B0609020000020004" pitchFamily="49" charset="0"/>
+              </a:rPr>
+              <a:t>base64</a:t>
+            </a:r>
+            <a:r>
+              <a:rPr lang="ru-RU" i="1" dirty="0">
+                <a:latin typeface="Cascadia Code" panose="020B0609020000020004" pitchFamily="49" charset="0"/>
+                <a:ea typeface="Cascadia Code" panose="020B0609020000020004" pitchFamily="49" charset="0"/>
+                <a:cs typeface="Cascadia Code" panose="020B0609020000020004" pitchFamily="49" charset="0"/>
+              </a:rPr>
+              <a:t>)</a:t>
+            </a:r>
+            <a:endParaRPr lang="en-US" i="1" dirty="0">
+              <a:latin typeface="Cascadia Code" panose="020B0609020000020004" pitchFamily="49" charset="0"/>
+              <a:ea typeface="Cascadia Code" panose="020B0609020000020004" pitchFamily="49" charset="0"/>
+              <a:cs typeface="Cascadia Code" panose="020B0609020000020004" pitchFamily="49" charset="0"/>
+            </a:endParaRPr>
+          </a:p>
+          <a:p>
+            <a:pPr lvl="1"/>
+            <a:r>
+              <a:rPr lang="en-US" dirty="0" err="1">
+                <a:latin typeface="Cascadia Code" panose="020B0609020000020004" pitchFamily="49" charset="0"/>
+                <a:ea typeface="Cascadia Code" panose="020B0609020000020004" pitchFamily="49" charset="0"/>
+                <a:cs typeface="Cascadia Code" panose="020B0609020000020004" pitchFamily="49" charset="0"/>
+              </a:rPr>
+              <a:t>pyperclip</a:t>
+            </a:r>
+            <a:r>
+              <a:rPr lang="en-US" dirty="0">
+                <a:latin typeface="Cascadia Code" panose="020B0609020000020004" pitchFamily="49" charset="0"/>
+                <a:ea typeface="Cascadia Code" panose="020B0609020000020004" pitchFamily="49" charset="0"/>
+                <a:cs typeface="Cascadia Code" panose="020B0609020000020004" pitchFamily="49" charset="0"/>
+              </a:rPr>
+              <a:t> </a:t>
+            </a:r>
+            <a:r>
+              <a:rPr lang="ru-RU" i="1" dirty="0">
+                <a:latin typeface="Cascadia Code" panose="020B0609020000020004" pitchFamily="49" charset="0"/>
+                <a:ea typeface="Cascadia Code" panose="020B0609020000020004" pitchFamily="49" charset="0"/>
+                <a:cs typeface="Cascadia Code" panose="020B0609020000020004" pitchFamily="49" charset="0"/>
+              </a:rPr>
+              <a:t>(буфер обмена)</a:t>
+            </a:r>
+            <a:endParaRPr lang="en-US" i="1" dirty="0">
+              <a:latin typeface="Cascadia Code" panose="020B0609020000020004" pitchFamily="49" charset="0"/>
+              <a:ea typeface="Cascadia Code" panose="020B0609020000020004" pitchFamily="49" charset="0"/>
+              <a:cs typeface="Cascadia Code" panose="020B0609020000020004" pitchFamily="49" charset="0"/>
+            </a:endParaRPr>
+          </a:p>
+          <a:p>
+            <a:pPr lvl="1">
+              <a:buFont typeface="Courier New" panose="02070309020205020404" pitchFamily="49" charset="0"/>
+              <a:buChar char="o"/>
+            </a:pPr>
+            <a:r>
+              <a:rPr lang="en-US" dirty="0" err="1">
+                <a:latin typeface="Cascadia Code" panose="020B0609020000020004" pitchFamily="49" charset="0"/>
+                <a:ea typeface="Cascadia Code" panose="020B0609020000020004" pitchFamily="49" charset="0"/>
+                <a:cs typeface="Cascadia Code" panose="020B0609020000020004" pitchFamily="49" charset="0"/>
+              </a:rPr>
+              <a:t>webbrowser</a:t>
+            </a:r>
+            <a:r>
+              <a:rPr lang="en-US" dirty="0">
+                <a:latin typeface="Cascadia Code" panose="020B0609020000020004" pitchFamily="49" charset="0"/>
+                <a:ea typeface="Cascadia Code" panose="020B0609020000020004" pitchFamily="49" charset="0"/>
+                <a:cs typeface="Cascadia Code" panose="020B0609020000020004" pitchFamily="49" charset="0"/>
+              </a:rPr>
+              <a:t> </a:t>
+            </a:r>
+            <a:r>
+              <a:rPr lang="ru-RU" i="1" dirty="0">
+                <a:latin typeface="Cascadia Code" panose="020B0609020000020004" pitchFamily="49" charset="0"/>
+                <a:ea typeface="Cascadia Code" panose="020B0609020000020004" pitchFamily="49" charset="0"/>
+                <a:cs typeface="Cascadia Code" panose="020B0609020000020004" pitchFamily="49" charset="0"/>
+              </a:rPr>
+              <a:t>(открытие ссылок)</a:t>
+            </a:r>
+            <a:endParaRPr lang="en-US" i="1" dirty="0">
+              <a:latin typeface="Cascadia Code" panose="020B0609020000020004" pitchFamily="49" charset="0"/>
+              <a:ea typeface="Cascadia Code" panose="020B0609020000020004" pitchFamily="49" charset="0"/>
+              <a:cs typeface="Cascadia Code" panose="020B0609020000020004" pitchFamily="49" charset="0"/>
+            </a:endParaRPr>
+          </a:p>
+          <a:p>
+            <a:pPr lvl="1">
+              <a:buFont typeface="Courier New" panose="02070309020205020404" pitchFamily="49" charset="0"/>
+              <a:buChar char="o"/>
+            </a:pPr>
+            <a:r>
+              <a:rPr lang="en-US" dirty="0" err="1">
+                <a:latin typeface="Cascadia Code" panose="020B0609020000020004" pitchFamily="49" charset="0"/>
+                <a:ea typeface="Cascadia Code" panose="020B0609020000020004" pitchFamily="49" charset="0"/>
+                <a:cs typeface="Cascadia Code" panose="020B0609020000020004" pitchFamily="49" charset="0"/>
+              </a:rPr>
+              <a:t>binascii</a:t>
+            </a:r>
+            <a:r>
+              <a:rPr lang="en-US" dirty="0">
+                <a:latin typeface="Cascadia Code" panose="020B0609020000020004" pitchFamily="49" charset="0"/>
+                <a:ea typeface="Cascadia Code" panose="020B0609020000020004" pitchFamily="49" charset="0"/>
+                <a:cs typeface="Cascadia Code" panose="020B0609020000020004" pitchFamily="49" charset="0"/>
+              </a:rPr>
+              <a:t> </a:t>
+            </a:r>
+            <a:r>
+              <a:rPr lang="ru-RU" i="1" dirty="0">
+                <a:latin typeface="Cascadia Code" panose="020B0609020000020004" pitchFamily="49" charset="0"/>
+                <a:ea typeface="Cascadia Code" panose="020B0609020000020004" pitchFamily="49" charset="0"/>
+                <a:cs typeface="Cascadia Code" panose="020B0609020000020004" pitchFamily="49" charset="0"/>
+              </a:rPr>
+              <a:t>(только для обработки исключений)</a:t>
+            </a:r>
+            <a:endParaRPr lang="en-US" i="1" dirty="0">
+              <a:latin typeface="Cascadia Code" panose="020B0609020000020004" pitchFamily="49" charset="0"/>
+              <a:ea typeface="Cascadia Code" panose="020B0609020000020004" pitchFamily="49" charset="0"/>
+              <a:cs typeface="Cascadia Code" panose="020B0609020000020004" pitchFamily="49" charset="0"/>
+            </a:endParaRPr>
+          </a:p>
+        </p:txBody>
+      </p:sp>
+    </p:spTree>
+    <p:extLst>
+      <p:ext uri="{BB962C8B-B14F-4D97-AF65-F5344CB8AC3E}">
+        <p14:creationId xmlns:p14="http://schemas.microsoft.com/office/powerpoint/2010/main" val="1395751737"/>
+      </p:ext>
+    </p:extLst>
+  </p:cSld>
+  <p:clrMapOvr>
+    <a:masterClrMapping/>
+  </p:clrMapOvr>
+</p:sld>
+</file>
+
 <file path=ppt/theme/theme1.xml><?xml version="1.0" encoding="utf-8"?>
 <a:theme xmlns:a="http://schemas.openxmlformats.org/drawingml/2006/main" name="Office Theme">
   <a:themeElements>

--- a/защита/CryptoDog.pptx
+++ b/защита/CryptoDog.pptx
@@ -275,7 +275,7 @@
           <a:p>
             <a:fld id="{4F3296BC-0369-43A9-BF9C-2419B90DEAB9}" type="datetimeFigureOut">
               <a:rPr lang="ru-RU" smtClean="0"/>
-              <a:t>06.11.2023</a:t>
+              <a:t>08.11.2023</a:t>
             </a:fld>
             <a:endParaRPr lang="ru-RU"/>
           </a:p>
@@ -475,7 +475,7 @@
           <a:p>
             <a:fld id="{4F3296BC-0369-43A9-BF9C-2419B90DEAB9}" type="datetimeFigureOut">
               <a:rPr lang="ru-RU" smtClean="0"/>
-              <a:t>06.11.2023</a:t>
+              <a:t>08.11.2023</a:t>
             </a:fld>
             <a:endParaRPr lang="ru-RU"/>
           </a:p>
@@ -685,7 +685,7 @@
           <a:p>
             <a:fld id="{4F3296BC-0369-43A9-BF9C-2419B90DEAB9}" type="datetimeFigureOut">
               <a:rPr lang="ru-RU" smtClean="0"/>
-              <a:t>06.11.2023</a:t>
+              <a:t>08.11.2023</a:t>
             </a:fld>
             <a:endParaRPr lang="ru-RU"/>
           </a:p>
@@ -885,7 +885,7 @@
           <a:p>
             <a:fld id="{4F3296BC-0369-43A9-BF9C-2419B90DEAB9}" type="datetimeFigureOut">
               <a:rPr lang="ru-RU" smtClean="0"/>
-              <a:t>06.11.2023</a:t>
+              <a:t>08.11.2023</a:t>
             </a:fld>
             <a:endParaRPr lang="ru-RU"/>
           </a:p>
@@ -1161,7 +1161,7 @@
           <a:p>
             <a:fld id="{4F3296BC-0369-43A9-BF9C-2419B90DEAB9}" type="datetimeFigureOut">
               <a:rPr lang="ru-RU" smtClean="0"/>
-              <a:t>06.11.2023</a:t>
+              <a:t>08.11.2023</a:t>
             </a:fld>
             <a:endParaRPr lang="ru-RU"/>
           </a:p>
@@ -1429,7 +1429,7 @@
           <a:p>
             <a:fld id="{4F3296BC-0369-43A9-BF9C-2419B90DEAB9}" type="datetimeFigureOut">
               <a:rPr lang="ru-RU" smtClean="0"/>
-              <a:t>06.11.2023</a:t>
+              <a:t>08.11.2023</a:t>
             </a:fld>
             <a:endParaRPr lang="ru-RU"/>
           </a:p>
@@ -1844,7 +1844,7 @@
           <a:p>
             <a:fld id="{4F3296BC-0369-43A9-BF9C-2419B90DEAB9}" type="datetimeFigureOut">
               <a:rPr lang="ru-RU" smtClean="0"/>
-              <a:t>06.11.2023</a:t>
+              <a:t>08.11.2023</a:t>
             </a:fld>
             <a:endParaRPr lang="ru-RU"/>
           </a:p>
@@ -1986,7 +1986,7 @@
           <a:p>
             <a:fld id="{4F3296BC-0369-43A9-BF9C-2419B90DEAB9}" type="datetimeFigureOut">
               <a:rPr lang="ru-RU" smtClean="0"/>
-              <a:t>06.11.2023</a:t>
+              <a:t>08.11.2023</a:t>
             </a:fld>
             <a:endParaRPr lang="ru-RU"/>
           </a:p>
@@ -2099,7 +2099,7 @@
           <a:p>
             <a:fld id="{4F3296BC-0369-43A9-BF9C-2419B90DEAB9}" type="datetimeFigureOut">
               <a:rPr lang="ru-RU" smtClean="0"/>
-              <a:t>06.11.2023</a:t>
+              <a:t>08.11.2023</a:t>
             </a:fld>
             <a:endParaRPr lang="ru-RU"/>
           </a:p>
@@ -2412,7 +2412,7 @@
           <a:p>
             <a:fld id="{4F3296BC-0369-43A9-BF9C-2419B90DEAB9}" type="datetimeFigureOut">
               <a:rPr lang="ru-RU" smtClean="0"/>
-              <a:t>06.11.2023</a:t>
+              <a:t>08.11.2023</a:t>
             </a:fld>
             <a:endParaRPr lang="ru-RU"/>
           </a:p>
@@ -2701,7 +2701,7 @@
           <a:p>
             <a:fld id="{4F3296BC-0369-43A9-BF9C-2419B90DEAB9}" type="datetimeFigureOut">
               <a:rPr lang="ru-RU" smtClean="0"/>
-              <a:t>06.11.2023</a:t>
+              <a:t>08.11.2023</a:t>
             </a:fld>
             <a:endParaRPr lang="ru-RU"/>
           </a:p>
@@ -2944,7 +2944,7 @@
           <a:p>
             <a:fld id="{4F3296BC-0369-43A9-BF9C-2419B90DEAB9}" type="datetimeFigureOut">
               <a:rPr lang="ru-RU" smtClean="0"/>
-              <a:t>06.11.2023</a:t>
+              <a:t>08.11.2023</a:t>
             </a:fld>
             <a:endParaRPr lang="ru-RU"/>
           </a:p>
@@ -3403,6 +3403,68 @@
               <a:ea typeface="Cascadia Code" panose="020B0609020000020004" pitchFamily="49" charset="0"/>
               <a:cs typeface="Cascadia Code" panose="020B0609020000020004" pitchFamily="49" charset="0"/>
             </a:endParaRPr>
+          </a:p>
+        </p:txBody>
+      </p:sp>
+      <p:sp>
+        <p:nvSpPr>
+          <p:cNvPr id="3" name="TextBox 2">
+            <a:extLst>
+              <a:ext uri="{FF2B5EF4-FFF2-40B4-BE49-F238E27FC236}">
+                <a16:creationId xmlns:a16="http://schemas.microsoft.com/office/drawing/2014/main" id="{AFE63353-FDFF-4C00-89BB-32EE96F3D0BB}"/>
+              </a:ext>
+            </a:extLst>
+          </p:cNvPr>
+          <p:cNvSpPr txBox="1"/>
+          <p:nvPr/>
+        </p:nvSpPr>
+        <p:spPr>
+          <a:xfrm>
+            <a:off x="10614869" y="6334780"/>
+            <a:ext cx="1577131" cy="523220"/>
+          </a:xfrm>
+          <a:prstGeom prst="rect">
+            <a:avLst/>
+          </a:prstGeom>
+          <a:noFill/>
+        </p:spPr>
+        <p:txBody>
+          <a:bodyPr wrap="square" rtlCol="0">
+            <a:spAutoFit/>
+          </a:bodyPr>
+          <a:lstStyle/>
+          <a:p>
+            <a:r>
+              <a:rPr lang="ru-RU" sz="1400" dirty="0">
+                <a:latin typeface="Cascadia Code" panose="020B0609020000020004" pitchFamily="49" charset="0"/>
+                <a:ea typeface="Cascadia Code" panose="020B0609020000020004" pitchFamily="49" charset="0"/>
+                <a:cs typeface="Cascadia Code" panose="020B0609020000020004" pitchFamily="49" charset="0"/>
+              </a:rPr>
+              <a:t>Автор:</a:t>
+            </a:r>
+            <a:br>
+              <a:rPr lang="ru-RU" sz="1400" dirty="0">
+                <a:latin typeface="Cascadia Code" panose="020B0609020000020004" pitchFamily="49" charset="0"/>
+                <a:ea typeface="Cascadia Code" panose="020B0609020000020004" pitchFamily="49" charset="0"/>
+                <a:cs typeface="Cascadia Code" panose="020B0609020000020004" pitchFamily="49" charset="0"/>
+              </a:rPr>
+            </a:br>
+            <a:r>
+              <a:rPr lang="ru-RU" sz="1400" dirty="0" err="1">
+                <a:latin typeface="Cascadia Code" panose="020B0609020000020004" pitchFamily="49" charset="0"/>
+                <a:ea typeface="Cascadia Code" panose="020B0609020000020004" pitchFamily="49" charset="0"/>
+                <a:cs typeface="Cascadia Code" panose="020B0609020000020004" pitchFamily="49" charset="0"/>
+              </a:rPr>
+              <a:t>ярослав</a:t>
+            </a:r>
+            <a:r>
+              <a:rPr lang="ru-RU" sz="1400" dirty="0">
+                <a:latin typeface="Cascadia Code" panose="020B0609020000020004" pitchFamily="49" charset="0"/>
+                <a:ea typeface="Cascadia Code" panose="020B0609020000020004" pitchFamily="49" charset="0"/>
+                <a:cs typeface="Cascadia Code" panose="020B0609020000020004" pitchFamily="49" charset="0"/>
+              </a:rPr>
+              <a:t> Батов</a:t>
+            </a:r>
           </a:p>
         </p:txBody>
       </p:sp>
